--- a/RampResponseMappingNew2.1.pptx
+++ b/RampResponseMappingNew2.1.pptx
@@ -8,6 +8,19 @@
     <p:sldId id="257" r:id="rId2"/>
     <p:sldId id="259" r:id="rId3"/>
     <p:sldId id="261" r:id="rId4"/>
+    <p:sldId id="264" r:id="rId5"/>
+    <p:sldId id="262" r:id="rId6"/>
+    <p:sldId id="263" r:id="rId7"/>
+    <p:sldId id="265" r:id="rId8"/>
+    <p:sldId id="266" r:id="rId9"/>
+    <p:sldId id="267" r:id="rId10"/>
+    <p:sldId id="268" r:id="rId11"/>
+    <p:sldId id="269" r:id="rId12"/>
+    <p:sldId id="270" r:id="rId13"/>
+    <p:sldId id="271" r:id="rId14"/>
+    <p:sldId id="272" r:id="rId15"/>
+    <p:sldId id="273" r:id="rId16"/>
+    <p:sldId id="274" r:id="rId17"/>
   </p:sldIdLst>
   <p:sldSz cx="12192000" cy="6858000"/>
   <p:notesSz cx="6858000" cy="9144000"/>
@@ -106,6 +119,11 @@
       </a:defRPr>
     </a:lvl9pPr>
   </p:defaultTextStyle>
+  <p:extLst>
+    <p:ext uri="{EFAFB233-063F-42B5-8137-9DF3F51BA10A}">
+      <p15:sldGuideLst xmlns:p15="http://schemas.microsoft.com/office/powerpoint/2012/main"/>
+    </p:ext>
+  </p:extLst>
 </p:presentation>
 </file>
 
@@ -256,7 +274,7 @@
           <a:p>
             <a:fld id="{84C1ED53-903A-45DD-9901-E10DC5FA45FE}" type="datetimeFigureOut">
               <a:rPr lang="en-US" smtClean="0"/>
-              <a:t>1/31/2019</a:t>
+              <a:t>2/4/2019</a:t>
             </a:fld>
             <a:endParaRPr lang="en-US"/>
           </a:p>
@@ -454,7 +472,7 @@
           <a:p>
             <a:fld id="{84C1ED53-903A-45DD-9901-E10DC5FA45FE}" type="datetimeFigureOut">
               <a:rPr lang="en-US" smtClean="0"/>
-              <a:t>1/31/2019</a:t>
+              <a:t>2/4/2019</a:t>
             </a:fld>
             <a:endParaRPr lang="en-US"/>
           </a:p>
@@ -662,7 +680,7 @@
           <a:p>
             <a:fld id="{84C1ED53-903A-45DD-9901-E10DC5FA45FE}" type="datetimeFigureOut">
               <a:rPr lang="en-US" smtClean="0"/>
-              <a:t>1/31/2019</a:t>
+              <a:t>2/4/2019</a:t>
             </a:fld>
             <a:endParaRPr lang="en-US"/>
           </a:p>
@@ -860,7 +878,7 @@
           <a:p>
             <a:fld id="{84C1ED53-903A-45DD-9901-E10DC5FA45FE}" type="datetimeFigureOut">
               <a:rPr lang="en-US" smtClean="0"/>
-              <a:t>1/31/2019</a:t>
+              <a:t>2/4/2019</a:t>
             </a:fld>
             <a:endParaRPr lang="en-US"/>
           </a:p>
@@ -1135,7 +1153,7 @@
           <a:p>
             <a:fld id="{84C1ED53-903A-45DD-9901-E10DC5FA45FE}" type="datetimeFigureOut">
               <a:rPr lang="en-US" smtClean="0"/>
-              <a:t>1/31/2019</a:t>
+              <a:t>2/4/2019</a:t>
             </a:fld>
             <a:endParaRPr lang="en-US"/>
           </a:p>
@@ -1400,7 +1418,7 @@
           <a:p>
             <a:fld id="{84C1ED53-903A-45DD-9901-E10DC5FA45FE}" type="datetimeFigureOut">
               <a:rPr lang="en-US" smtClean="0"/>
-              <a:t>1/31/2019</a:t>
+              <a:t>2/4/2019</a:t>
             </a:fld>
             <a:endParaRPr lang="en-US"/>
           </a:p>
@@ -1812,7 +1830,7 @@
           <a:p>
             <a:fld id="{84C1ED53-903A-45DD-9901-E10DC5FA45FE}" type="datetimeFigureOut">
               <a:rPr lang="en-US" smtClean="0"/>
-              <a:t>1/31/2019</a:t>
+              <a:t>2/4/2019</a:t>
             </a:fld>
             <a:endParaRPr lang="en-US"/>
           </a:p>
@@ -1953,7 +1971,7 @@
           <a:p>
             <a:fld id="{84C1ED53-903A-45DD-9901-E10DC5FA45FE}" type="datetimeFigureOut">
               <a:rPr lang="en-US" smtClean="0"/>
-              <a:t>1/31/2019</a:t>
+              <a:t>2/4/2019</a:t>
             </a:fld>
             <a:endParaRPr lang="en-US"/>
           </a:p>
@@ -2066,7 +2084,7 @@
           <a:p>
             <a:fld id="{84C1ED53-903A-45DD-9901-E10DC5FA45FE}" type="datetimeFigureOut">
               <a:rPr lang="en-US" smtClean="0"/>
-              <a:t>1/31/2019</a:t>
+              <a:t>2/4/2019</a:t>
             </a:fld>
             <a:endParaRPr lang="en-US"/>
           </a:p>
@@ -2377,7 +2395,7 @@
           <a:p>
             <a:fld id="{84C1ED53-903A-45DD-9901-E10DC5FA45FE}" type="datetimeFigureOut">
               <a:rPr lang="en-US" smtClean="0"/>
-              <a:t>1/31/2019</a:t>
+              <a:t>2/4/2019</a:t>
             </a:fld>
             <a:endParaRPr lang="en-US"/>
           </a:p>
@@ -2665,7 +2683,7 @@
           <a:p>
             <a:fld id="{84C1ED53-903A-45DD-9901-E10DC5FA45FE}" type="datetimeFigureOut">
               <a:rPr lang="en-US" smtClean="0"/>
-              <a:t>1/31/2019</a:t>
+              <a:t>2/4/2019</a:t>
             </a:fld>
             <a:endParaRPr lang="en-US"/>
           </a:p>
@@ -2906,7 +2924,7 @@
           <a:p>
             <a:fld id="{84C1ED53-903A-45DD-9901-E10DC5FA45FE}" type="datetimeFigureOut">
               <a:rPr lang="en-US" smtClean="0"/>
-              <a:t>1/31/2019</a:t>
+              <a:t>2/4/2019</a:t>
             </a:fld>
             <a:endParaRPr lang="en-US"/>
           </a:p>
@@ -3408,6 +3426,321 @@
 </p:sld>
 </file>
 
+<file path=ppt/slides/slide10.xml><?xml version="1.0" encoding="utf-8"?>
+<p:sld xmlns:a="http://schemas.openxmlformats.org/drawingml/2006/main" xmlns:r="http://schemas.openxmlformats.org/officeDocument/2006/relationships" xmlns:p="http://schemas.openxmlformats.org/presentationml/2006/main">
+  <p:cSld>
+    <p:spTree>
+      <p:nvGrpSpPr>
+        <p:cNvPr id="1" name=""/>
+        <p:cNvGrpSpPr/>
+        <p:nvPr/>
+      </p:nvGrpSpPr>
+      <p:grpSpPr>
+        <a:xfrm>
+          <a:off x="0" y="0"/>
+          <a:ext cx="0" cy="0"/>
+          <a:chOff x="0" y="0"/>
+          <a:chExt cx="0" cy="0"/>
+        </a:xfrm>
+      </p:grpSpPr>
+      <p:sp>
+        <p:nvSpPr>
+          <p:cNvPr id="2" name="Title 1">
+            <a:extLst>
+              <a:ext uri="{FF2B5EF4-FFF2-40B4-BE49-F238E27FC236}">
+                <a16:creationId xmlns:a16="http://schemas.microsoft.com/office/drawing/2014/main" id="{366D9909-D990-422D-AEB2-26381C6EE587}"/>
+              </a:ext>
+            </a:extLst>
+          </p:cNvPr>
+          <p:cNvSpPr>
+            <a:spLocks noGrp="1"/>
+          </p:cNvSpPr>
+          <p:nvPr>
+            <p:ph type="title"/>
+          </p:nvPr>
+        </p:nvSpPr>
+        <p:spPr>
+          <a:xfrm>
+            <a:off x="175470" y="0"/>
+            <a:ext cx="1765625" cy="649756"/>
+          </a:xfrm>
+        </p:spPr>
+        <p:txBody>
+          <a:bodyPr>
+            <a:normAutofit/>
+          </a:bodyPr>
+          <a:lstStyle/>
+          <a:p>
+            <a:r>
+              <a:rPr lang="en-US" sz="2400" dirty="0"/>
+              <a:t>Low value</a:t>
+            </a:r>
+          </a:p>
+        </p:txBody>
+      </p:sp>
+    </p:spTree>
+    <p:extLst>
+      <p:ext uri="{BB962C8B-B14F-4D97-AF65-F5344CB8AC3E}">
+        <p14:creationId xmlns:p14="http://schemas.microsoft.com/office/powerpoint/2010/main" val="30519945"/>
+      </p:ext>
+    </p:extLst>
+  </p:cSld>
+  <p:clrMapOvr>
+    <a:masterClrMapping/>
+  </p:clrMapOvr>
+</p:sld>
+</file>
+
+<file path=ppt/slides/slide11.xml><?xml version="1.0" encoding="utf-8"?>
+<p:sld xmlns:a="http://schemas.openxmlformats.org/drawingml/2006/main" xmlns:r="http://schemas.openxmlformats.org/officeDocument/2006/relationships" xmlns:p="http://schemas.openxmlformats.org/presentationml/2006/main">
+  <p:cSld>
+    <p:spTree>
+      <p:nvGrpSpPr>
+        <p:cNvPr id="1" name=""/>
+        <p:cNvGrpSpPr/>
+        <p:nvPr/>
+      </p:nvGrpSpPr>
+      <p:grpSpPr>
+        <a:xfrm>
+          <a:off x="0" y="0"/>
+          <a:ext cx="0" cy="0"/>
+          <a:chOff x="0" y="0"/>
+          <a:chExt cx="0" cy="0"/>
+        </a:xfrm>
+      </p:grpSpPr>
+      <p:sp>
+        <p:nvSpPr>
+          <p:cNvPr id="2" name="Title 1">
+            <a:extLst>
+              <a:ext uri="{FF2B5EF4-FFF2-40B4-BE49-F238E27FC236}">
+                <a16:creationId xmlns:a16="http://schemas.microsoft.com/office/drawing/2014/main" id="{CF0EA712-943B-41EB-A835-4679F05340FB}"/>
+              </a:ext>
+            </a:extLst>
+          </p:cNvPr>
+          <p:cNvSpPr>
+            <a:spLocks noGrp="1"/>
+          </p:cNvSpPr>
+          <p:nvPr>
+            <p:ph type="title"/>
+          </p:nvPr>
+        </p:nvSpPr>
+        <p:spPr>
+          <a:xfrm>
+            <a:off x="175470" y="0"/>
+            <a:ext cx="1765625" cy="649756"/>
+          </a:xfrm>
+        </p:spPr>
+        <p:txBody>
+          <a:bodyPr>
+            <a:normAutofit/>
+          </a:bodyPr>
+          <a:lstStyle/>
+          <a:p>
+            <a:r>
+              <a:rPr lang="en-US" sz="2400" dirty="0"/>
+              <a:t>Mid value</a:t>
+            </a:r>
+          </a:p>
+        </p:txBody>
+      </p:sp>
+    </p:spTree>
+    <p:extLst>
+      <p:ext uri="{BB962C8B-B14F-4D97-AF65-F5344CB8AC3E}">
+        <p14:creationId xmlns:p14="http://schemas.microsoft.com/office/powerpoint/2010/main" val="2346623123"/>
+      </p:ext>
+    </p:extLst>
+  </p:cSld>
+  <p:clrMapOvr>
+    <a:masterClrMapping/>
+  </p:clrMapOvr>
+</p:sld>
+</file>
+
+<file path=ppt/slides/slide12.xml><?xml version="1.0" encoding="utf-8"?>
+<p:sld xmlns:a="http://schemas.openxmlformats.org/drawingml/2006/main" xmlns:r="http://schemas.openxmlformats.org/officeDocument/2006/relationships" xmlns:p="http://schemas.openxmlformats.org/presentationml/2006/main">
+  <p:cSld>
+    <p:spTree>
+      <p:nvGrpSpPr>
+        <p:cNvPr id="1" name=""/>
+        <p:cNvGrpSpPr/>
+        <p:nvPr/>
+      </p:nvGrpSpPr>
+      <p:grpSpPr>
+        <a:xfrm>
+          <a:off x="0" y="0"/>
+          <a:ext cx="0" cy="0"/>
+          <a:chOff x="0" y="0"/>
+          <a:chExt cx="0" cy="0"/>
+        </a:xfrm>
+      </p:grpSpPr>
+      <p:sp>
+        <p:nvSpPr>
+          <p:cNvPr id="2" name="Title 1">
+            <a:extLst>
+              <a:ext uri="{FF2B5EF4-FFF2-40B4-BE49-F238E27FC236}">
+                <a16:creationId xmlns:a16="http://schemas.microsoft.com/office/drawing/2014/main" id="{94B7DC9A-7FAD-497A-9993-B8EDB8D78AAE}"/>
+              </a:ext>
+            </a:extLst>
+          </p:cNvPr>
+          <p:cNvSpPr>
+            <a:spLocks noGrp="1"/>
+          </p:cNvSpPr>
+          <p:nvPr>
+            <p:ph type="title"/>
+          </p:nvPr>
+        </p:nvSpPr>
+        <p:spPr>
+          <a:xfrm>
+            <a:off x="175470" y="0"/>
+            <a:ext cx="1765625" cy="649756"/>
+          </a:xfrm>
+        </p:spPr>
+        <p:txBody>
+          <a:bodyPr>
+            <a:normAutofit/>
+          </a:bodyPr>
+          <a:lstStyle/>
+          <a:p>
+            <a:r>
+              <a:rPr lang="en-US" sz="2400" dirty="0"/>
+              <a:t>High value</a:t>
+            </a:r>
+          </a:p>
+        </p:txBody>
+      </p:sp>
+    </p:spTree>
+    <p:extLst>
+      <p:ext uri="{BB962C8B-B14F-4D97-AF65-F5344CB8AC3E}">
+        <p14:creationId xmlns:p14="http://schemas.microsoft.com/office/powerpoint/2010/main" val="392672948"/>
+      </p:ext>
+    </p:extLst>
+  </p:cSld>
+  <p:clrMapOvr>
+    <a:masterClrMapping/>
+  </p:clrMapOvr>
+</p:sld>
+</file>
+
+<file path=ppt/slides/slide13.xml><?xml version="1.0" encoding="utf-8"?>
+<p:sld xmlns:a="http://schemas.openxmlformats.org/drawingml/2006/main" xmlns:r="http://schemas.openxmlformats.org/officeDocument/2006/relationships" xmlns:p="http://schemas.openxmlformats.org/presentationml/2006/main">
+  <p:cSld>
+    <p:spTree>
+      <p:nvGrpSpPr>
+        <p:cNvPr id="1" name=""/>
+        <p:cNvGrpSpPr/>
+        <p:nvPr/>
+      </p:nvGrpSpPr>
+      <p:grpSpPr>
+        <a:xfrm>
+          <a:off x="0" y="0"/>
+          <a:ext cx="0" cy="0"/>
+          <a:chOff x="0" y="0"/>
+          <a:chExt cx="0" cy="0"/>
+        </a:xfrm>
+      </p:grpSpPr>
+    </p:spTree>
+    <p:extLst>
+      <p:ext uri="{BB962C8B-B14F-4D97-AF65-F5344CB8AC3E}">
+        <p14:creationId xmlns:p14="http://schemas.microsoft.com/office/powerpoint/2010/main" val="3571571367"/>
+      </p:ext>
+    </p:extLst>
+  </p:cSld>
+  <p:clrMapOvr>
+    <a:masterClrMapping/>
+  </p:clrMapOvr>
+</p:sld>
+</file>
+
+<file path=ppt/slides/slide14.xml><?xml version="1.0" encoding="utf-8"?>
+<p:sld xmlns:a="http://schemas.openxmlformats.org/drawingml/2006/main" xmlns:r="http://schemas.openxmlformats.org/officeDocument/2006/relationships" xmlns:p="http://schemas.openxmlformats.org/presentationml/2006/main">
+  <p:cSld>
+    <p:spTree>
+      <p:nvGrpSpPr>
+        <p:cNvPr id="1" name=""/>
+        <p:cNvGrpSpPr/>
+        <p:nvPr/>
+      </p:nvGrpSpPr>
+      <p:grpSpPr>
+        <a:xfrm>
+          <a:off x="0" y="0"/>
+          <a:ext cx="0" cy="0"/>
+          <a:chOff x="0" y="0"/>
+          <a:chExt cx="0" cy="0"/>
+        </a:xfrm>
+      </p:grpSpPr>
+    </p:spTree>
+    <p:extLst>
+      <p:ext uri="{BB962C8B-B14F-4D97-AF65-F5344CB8AC3E}">
+        <p14:creationId xmlns:p14="http://schemas.microsoft.com/office/powerpoint/2010/main" val="4127959325"/>
+      </p:ext>
+    </p:extLst>
+  </p:cSld>
+  <p:clrMapOvr>
+    <a:masterClrMapping/>
+  </p:clrMapOvr>
+</p:sld>
+</file>
+
+<file path=ppt/slides/slide15.xml><?xml version="1.0" encoding="utf-8"?>
+<p:sld xmlns:a="http://schemas.openxmlformats.org/drawingml/2006/main" xmlns:r="http://schemas.openxmlformats.org/officeDocument/2006/relationships" xmlns:p="http://schemas.openxmlformats.org/presentationml/2006/main">
+  <p:cSld>
+    <p:spTree>
+      <p:nvGrpSpPr>
+        <p:cNvPr id="1" name=""/>
+        <p:cNvGrpSpPr/>
+        <p:nvPr/>
+      </p:nvGrpSpPr>
+      <p:grpSpPr>
+        <a:xfrm>
+          <a:off x="0" y="0"/>
+          <a:ext cx="0" cy="0"/>
+          <a:chOff x="0" y="0"/>
+          <a:chExt cx="0" cy="0"/>
+        </a:xfrm>
+      </p:grpSpPr>
+    </p:spTree>
+    <p:extLst>
+      <p:ext uri="{BB962C8B-B14F-4D97-AF65-F5344CB8AC3E}">
+        <p14:creationId xmlns:p14="http://schemas.microsoft.com/office/powerpoint/2010/main" val="891597274"/>
+      </p:ext>
+    </p:extLst>
+  </p:cSld>
+  <p:clrMapOvr>
+    <a:masterClrMapping/>
+  </p:clrMapOvr>
+</p:sld>
+</file>
+
+<file path=ppt/slides/slide16.xml><?xml version="1.0" encoding="utf-8"?>
+<p:sld xmlns:a="http://schemas.openxmlformats.org/drawingml/2006/main" xmlns:r="http://schemas.openxmlformats.org/officeDocument/2006/relationships" xmlns:p="http://schemas.openxmlformats.org/presentationml/2006/main">
+  <p:cSld>
+    <p:spTree>
+      <p:nvGrpSpPr>
+        <p:cNvPr id="1" name=""/>
+        <p:cNvGrpSpPr/>
+        <p:nvPr/>
+      </p:nvGrpSpPr>
+      <p:grpSpPr>
+        <a:xfrm>
+          <a:off x="0" y="0"/>
+          <a:ext cx="0" cy="0"/>
+          <a:chOff x="0" y="0"/>
+          <a:chExt cx="0" cy="0"/>
+        </a:xfrm>
+      </p:grpSpPr>
+    </p:spTree>
+    <p:extLst>
+      <p:ext uri="{BB962C8B-B14F-4D97-AF65-F5344CB8AC3E}">
+        <p14:creationId xmlns:p14="http://schemas.microsoft.com/office/powerpoint/2010/main" val="3771243459"/>
+      </p:ext>
+    </p:extLst>
+  </p:cSld>
+  <p:clrMapOvr>
+    <a:masterClrMapping/>
+  </p:clrMapOvr>
+</p:sld>
+</file>
+
 <file path=ppt/slides/slide2.xml><?xml version="1.0" encoding="utf-8"?>
 <p:sld xmlns:a="http://schemas.openxmlformats.org/drawingml/2006/main" xmlns:r="http://schemas.openxmlformats.org/officeDocument/2006/relationships" xmlns:p="http://schemas.openxmlformats.org/presentationml/2006/main">
   <p:cSld>
@@ -3689,16 +4022,272 @@
           </a:bodyPr>
           <a:lstStyle/>
           <a:p>
+            <a:r>
+              <a:rPr lang="en-US" sz="1400" dirty="0"/>
+              <a:t>50 completed participants</a:t>
+            </a:r>
+          </a:p>
+          <a:p>
+            <a:pPr lvl="1"/>
+            <a:r>
+              <a:rPr lang="en-US" sz="1000" dirty="0"/>
+              <a:t>21 participants failed &gt; 60/150 trials</a:t>
+            </a:r>
+          </a:p>
+          <a:p>
+            <a:pPr lvl="1"/>
+            <a:r>
+              <a:rPr lang="en-US" sz="1000" dirty="0"/>
+              <a:t>6 participants ignored &lt; 10 trials (so they almost always gambled)</a:t>
+            </a:r>
+          </a:p>
+          <a:p>
+            <a:pPr lvl="1"/>
+            <a:r>
+              <a:rPr lang="en-US" sz="1000" dirty="0"/>
+              <a:t>7 participants gambled &lt;10 trials (so they almost always ignored gamble and they accepted sure thing) </a:t>
+            </a:r>
+          </a:p>
+          <a:p>
+            <a:pPr lvl="1"/>
+            <a:endParaRPr lang="en-US" sz="1000" dirty="0"/>
+          </a:p>
+          <a:p>
+            <a:pPr lvl="1"/>
+            <a:endParaRPr lang="en-US" sz="1000" dirty="0"/>
+          </a:p>
+          <a:p>
+            <a:r>
+              <a:rPr lang="en-US" sz="1400" dirty="0"/>
+              <a:t>Increased attrition may be due to harder nature of task?</a:t>
+            </a:r>
+          </a:p>
+          <a:p>
             <a:endParaRPr lang="en-US" sz="1400" dirty="0"/>
           </a:p>
         </p:txBody>
       </p:sp>
+    </p:spTree>
+    <p:extLst>
+      <p:ext uri="{BB962C8B-B14F-4D97-AF65-F5344CB8AC3E}">
+        <p14:creationId xmlns:p14="http://schemas.microsoft.com/office/powerpoint/2010/main" val="1136568350"/>
+      </p:ext>
+    </p:extLst>
+  </p:cSld>
+  <p:clrMapOvr>
+    <a:masterClrMapping/>
+  </p:clrMapOvr>
+</p:sld>
+</file>
+
+<file path=ppt/slides/slide4.xml><?xml version="1.0" encoding="utf-8"?>
+<p:sld xmlns:a="http://schemas.openxmlformats.org/drawingml/2006/main" xmlns:r="http://schemas.openxmlformats.org/officeDocument/2006/relationships" xmlns:p="http://schemas.openxmlformats.org/presentationml/2006/main">
+  <p:cSld>
+    <p:spTree>
+      <p:nvGrpSpPr>
+        <p:cNvPr id="1" name=""/>
+        <p:cNvGrpSpPr/>
+        <p:nvPr/>
+      </p:nvGrpSpPr>
+      <p:grpSpPr>
+        <a:xfrm>
+          <a:off x="0" y="0"/>
+          <a:ext cx="0" cy="0"/>
+          <a:chOff x="0" y="0"/>
+          <a:chExt cx="0" cy="0"/>
+        </a:xfrm>
+      </p:grpSpPr>
+      <p:pic>
+        <p:nvPicPr>
+          <p:cNvPr id="2" name="Picture 1">
+            <a:extLst>
+              <a:ext uri="{FF2B5EF4-FFF2-40B4-BE49-F238E27FC236}">
+                <a16:creationId xmlns:a16="http://schemas.microsoft.com/office/drawing/2014/main" id="{67D2FAA4-80C6-4224-B268-B756FA89131F}"/>
+              </a:ext>
+            </a:extLst>
+          </p:cNvPr>
+          <p:cNvPicPr>
+            <a:picLocks noChangeAspect="1"/>
+          </p:cNvPicPr>
+          <p:nvPr/>
+        </p:nvPicPr>
+        <p:blipFill>
+          <a:blip r:embed="rId2"/>
+          <a:stretch>
+            <a:fillRect/>
+          </a:stretch>
+        </p:blipFill>
+        <p:spPr>
+          <a:xfrm>
+            <a:off x="771023" y="313782"/>
+            <a:ext cx="4683292" cy="2808863"/>
+          </a:xfrm>
+          <a:prstGeom prst="rect">
+            <a:avLst/>
+          </a:prstGeom>
+        </p:spPr>
+      </p:pic>
+      <p:pic>
+        <p:nvPicPr>
+          <p:cNvPr id="3" name="Picture 2">
+            <a:extLst>
+              <a:ext uri="{FF2B5EF4-FFF2-40B4-BE49-F238E27FC236}">
+                <a16:creationId xmlns:a16="http://schemas.microsoft.com/office/drawing/2014/main" id="{66DAAC23-D3A6-4B60-87E1-87336DCA3635}"/>
+              </a:ext>
+            </a:extLst>
+          </p:cNvPr>
+          <p:cNvPicPr>
+            <a:picLocks noChangeAspect="1"/>
+          </p:cNvPicPr>
+          <p:nvPr/>
+        </p:nvPicPr>
+        <p:blipFill>
+          <a:blip r:embed="rId3"/>
+          <a:stretch>
+            <a:fillRect/>
+          </a:stretch>
+        </p:blipFill>
+        <p:spPr>
+          <a:xfrm>
+            <a:off x="6721639" y="313782"/>
+            <a:ext cx="4651211" cy="2789622"/>
+          </a:xfrm>
+          <a:prstGeom prst="rect">
+            <a:avLst/>
+          </a:prstGeom>
+        </p:spPr>
+      </p:pic>
+      <p:pic>
+        <p:nvPicPr>
+          <p:cNvPr id="4" name="Picture 3">
+            <a:extLst>
+              <a:ext uri="{FF2B5EF4-FFF2-40B4-BE49-F238E27FC236}">
+                <a16:creationId xmlns:a16="http://schemas.microsoft.com/office/drawing/2014/main" id="{B5CFA8C1-2A66-4F73-A2AE-CCD8C34C33B0}"/>
+              </a:ext>
+            </a:extLst>
+          </p:cNvPr>
+          <p:cNvPicPr>
+            <a:picLocks noChangeAspect="1"/>
+          </p:cNvPicPr>
+          <p:nvPr/>
+        </p:nvPicPr>
+        <p:blipFill>
+          <a:blip r:embed="rId4"/>
+          <a:stretch>
+            <a:fillRect/>
+          </a:stretch>
+        </p:blipFill>
+        <p:spPr>
+          <a:xfrm>
+            <a:off x="1123949" y="3735356"/>
+            <a:ext cx="4330366" cy="2597191"/>
+          </a:xfrm>
+          <a:prstGeom prst="rect">
+            <a:avLst/>
+          </a:prstGeom>
+        </p:spPr>
+      </p:pic>
+      <p:pic>
+        <p:nvPicPr>
+          <p:cNvPr id="5" name="Picture 4">
+            <a:extLst>
+              <a:ext uri="{FF2B5EF4-FFF2-40B4-BE49-F238E27FC236}">
+                <a16:creationId xmlns:a16="http://schemas.microsoft.com/office/drawing/2014/main" id="{08A6BD98-B496-48F5-9B30-4203490435CA}"/>
+              </a:ext>
+            </a:extLst>
+          </p:cNvPr>
+          <p:cNvPicPr>
+            <a:picLocks noChangeAspect="1"/>
+          </p:cNvPicPr>
+          <p:nvPr/>
+        </p:nvPicPr>
+        <p:blipFill>
+          <a:blip r:embed="rId5"/>
+          <a:stretch>
+            <a:fillRect/>
+          </a:stretch>
+        </p:blipFill>
+        <p:spPr>
+          <a:xfrm>
+            <a:off x="6867024" y="3523684"/>
+            <a:ext cx="4683292" cy="2808863"/>
+          </a:xfrm>
+          <a:prstGeom prst="rect">
+            <a:avLst/>
+          </a:prstGeom>
+        </p:spPr>
+      </p:pic>
+    </p:spTree>
+    <p:extLst>
+      <p:ext uri="{BB962C8B-B14F-4D97-AF65-F5344CB8AC3E}">
+        <p14:creationId xmlns:p14="http://schemas.microsoft.com/office/powerpoint/2010/main" val="2478383359"/>
+      </p:ext>
+    </p:extLst>
+  </p:cSld>
+  <p:clrMapOvr>
+    <a:masterClrMapping/>
+  </p:clrMapOvr>
+</p:sld>
+</file>
+
+<file path=ppt/slides/slide5.xml><?xml version="1.0" encoding="utf-8"?>
+<p:sld xmlns:a="http://schemas.openxmlformats.org/drawingml/2006/main" xmlns:r="http://schemas.openxmlformats.org/officeDocument/2006/relationships" xmlns:p="http://schemas.openxmlformats.org/presentationml/2006/main">
+  <p:cSld>
+    <p:spTree>
+      <p:nvGrpSpPr>
+        <p:cNvPr id="1" name=""/>
+        <p:cNvGrpSpPr/>
+        <p:nvPr/>
+      </p:nvGrpSpPr>
+      <p:grpSpPr>
+        <a:xfrm>
+          <a:off x="0" y="0"/>
+          <a:ext cx="0" cy="0"/>
+          <a:chOff x="0" y="0"/>
+          <a:chExt cx="0" cy="0"/>
+        </a:xfrm>
+      </p:grpSpPr>
+      <p:sp>
+        <p:nvSpPr>
+          <p:cNvPr id="4" name="Title 1">
+            <a:extLst>
+              <a:ext uri="{FF2B5EF4-FFF2-40B4-BE49-F238E27FC236}">
+                <a16:creationId xmlns:a16="http://schemas.microsoft.com/office/drawing/2014/main" id="{9B642961-395B-498B-8E04-83C7A28D81BB}"/>
+              </a:ext>
+            </a:extLst>
+          </p:cNvPr>
+          <p:cNvSpPr>
+            <a:spLocks noGrp="1"/>
+          </p:cNvSpPr>
+          <p:nvPr>
+            <p:ph type="title"/>
+          </p:nvPr>
+        </p:nvSpPr>
+        <p:spPr>
+          <a:xfrm>
+            <a:off x="175470" y="0"/>
+            <a:ext cx="1527495" cy="939567"/>
+          </a:xfrm>
+        </p:spPr>
+        <p:txBody>
+          <a:bodyPr>
+            <a:normAutofit/>
+          </a:bodyPr>
+          <a:lstStyle/>
+          <a:p>
+            <a:r>
+              <a:rPr lang="en-US" sz="2400" dirty="0"/>
+              <a:t>All data</a:t>
+            </a:r>
+          </a:p>
+        </p:txBody>
+      </p:sp>
       <p:sp>
         <p:nvSpPr>
           <p:cNvPr id="5" name="TextBox 4">
             <a:extLst>
               <a:ext uri="{FF2B5EF4-FFF2-40B4-BE49-F238E27FC236}">
-                <a16:creationId xmlns:a16="http://schemas.microsoft.com/office/drawing/2014/main" id="{D1E6089C-F41C-4AE4-842B-B347E5B86288}"/>
+                <a16:creationId xmlns:a16="http://schemas.microsoft.com/office/drawing/2014/main" id="{AB6B2E13-F9BA-4B5B-9032-458FEF171F4C}"/>
               </a:ext>
             </a:extLst>
           </p:cNvPr>
@@ -3707,8 +4296,8 @@
         </p:nvSpPr>
         <p:spPr>
           <a:xfrm>
-            <a:off x="6642100" y="5281503"/>
-            <a:ext cx="4577472" cy="646331"/>
+            <a:off x="613916" y="978121"/>
+            <a:ext cx="617477" cy="261610"/>
           </a:xfrm>
           <a:prstGeom prst="rect">
             <a:avLst/>
@@ -3722,19 +4311,865 @@
           <a:lstStyle/>
           <a:p>
             <a:r>
-              <a:rPr lang="en-US" dirty="0"/>
-              <a:t>Example of gamble participants see for 1.5 sec </a:t>
-            </a:r>
-          </a:p>
-          <a:p>
-            <a:endParaRPr lang="en-US" dirty="0"/>
-          </a:p>
-        </p:txBody>
-      </p:sp>
+              <a:rPr lang="en-US" sz="1100" dirty="0"/>
+              <a:t>All data</a:t>
+            </a:r>
+          </a:p>
+        </p:txBody>
+      </p:sp>
+      <p:sp>
+        <p:nvSpPr>
+          <p:cNvPr id="6" name="TextBox 5">
+            <a:extLst>
+              <a:ext uri="{FF2B5EF4-FFF2-40B4-BE49-F238E27FC236}">
+                <a16:creationId xmlns:a16="http://schemas.microsoft.com/office/drawing/2014/main" id="{D8E973D8-8D82-4785-9743-D45F23F9156F}"/>
+              </a:ext>
+            </a:extLst>
+          </p:cNvPr>
+          <p:cNvSpPr txBox="1"/>
+          <p:nvPr/>
+        </p:nvSpPr>
+        <p:spPr>
+          <a:xfrm>
+            <a:off x="265856" y="2437664"/>
+            <a:ext cx="1598515" cy="430887"/>
+          </a:xfrm>
+          <a:prstGeom prst="rect">
+            <a:avLst/>
+          </a:prstGeom>
+          <a:noFill/>
+        </p:spPr>
+        <p:txBody>
+          <a:bodyPr wrap="none" rtlCol="0">
+            <a:spAutoFit/>
+          </a:bodyPr>
+          <a:lstStyle/>
+          <a:p>
+            <a:r>
+              <a:rPr lang="en-US" sz="1100" dirty="0"/>
+              <a:t>When gamble is</a:t>
+            </a:r>
+          </a:p>
+          <a:p>
+            <a:r>
+              <a:rPr lang="en-US" sz="1100" dirty="0"/>
+              <a:t>On left side (</a:t>
+            </a:r>
+            <a:r>
+              <a:rPr lang="en-US" sz="1100" dirty="0" err="1"/>
+              <a:t>gambleLeft</a:t>
+            </a:r>
+            <a:r>
+              <a:rPr lang="en-US" sz="1100" dirty="0"/>
+              <a:t>)</a:t>
+            </a:r>
+          </a:p>
+        </p:txBody>
+      </p:sp>
+      <p:sp>
+        <p:nvSpPr>
+          <p:cNvPr id="7" name="TextBox 6">
+            <a:extLst>
+              <a:ext uri="{FF2B5EF4-FFF2-40B4-BE49-F238E27FC236}">
+                <a16:creationId xmlns:a16="http://schemas.microsoft.com/office/drawing/2014/main" id="{2671D867-F26C-46C2-9458-BE82743C67FB}"/>
+              </a:ext>
+            </a:extLst>
+          </p:cNvPr>
+          <p:cNvSpPr txBox="1"/>
+          <p:nvPr/>
+        </p:nvSpPr>
+        <p:spPr>
+          <a:xfrm>
+            <a:off x="175470" y="4295020"/>
+            <a:ext cx="1749197" cy="430887"/>
+          </a:xfrm>
+          <a:prstGeom prst="rect">
+            <a:avLst/>
+          </a:prstGeom>
+          <a:noFill/>
+        </p:spPr>
+        <p:txBody>
+          <a:bodyPr wrap="none" rtlCol="0">
+            <a:spAutoFit/>
+          </a:bodyPr>
+          <a:lstStyle/>
+          <a:p>
+            <a:r>
+              <a:rPr lang="en-US" sz="1100" dirty="0"/>
+              <a:t>When gamble is</a:t>
+            </a:r>
+          </a:p>
+          <a:p>
+            <a:r>
+              <a:rPr lang="en-US" sz="1100" dirty="0"/>
+              <a:t>On right side (</a:t>
+            </a:r>
+            <a:r>
+              <a:rPr lang="en-US" sz="1100" dirty="0" err="1"/>
+              <a:t>gambleRight</a:t>
+            </a:r>
+            <a:r>
+              <a:rPr lang="en-US" sz="1100" dirty="0"/>
+              <a:t>)</a:t>
+            </a:r>
+          </a:p>
+        </p:txBody>
+      </p:sp>
+      <p:pic>
+        <p:nvPicPr>
+          <p:cNvPr id="9" name="Picture 8">
+            <a:extLst>
+              <a:ext uri="{FF2B5EF4-FFF2-40B4-BE49-F238E27FC236}">
+                <a16:creationId xmlns:a16="http://schemas.microsoft.com/office/drawing/2014/main" id="{0AA0C81C-6BF1-424E-9A52-0C323CD1563A}"/>
+              </a:ext>
+            </a:extLst>
+          </p:cNvPr>
+          <p:cNvPicPr>
+            <a:picLocks noChangeAspect="1"/>
+          </p:cNvPicPr>
+          <p:nvPr/>
+        </p:nvPicPr>
+        <p:blipFill>
+          <a:blip r:embed="rId2"/>
+          <a:stretch>
+            <a:fillRect/>
+          </a:stretch>
+        </p:blipFill>
+        <p:spPr>
+          <a:xfrm>
+            <a:off x="2024587" y="10691"/>
+            <a:ext cx="4472560" cy="2682473"/>
+          </a:xfrm>
+          <a:prstGeom prst="rect">
+            <a:avLst/>
+          </a:prstGeom>
+        </p:spPr>
+      </p:pic>
+      <p:pic>
+        <p:nvPicPr>
+          <p:cNvPr id="10" name="Picture 9">
+            <a:extLst>
+              <a:ext uri="{FF2B5EF4-FFF2-40B4-BE49-F238E27FC236}">
+                <a16:creationId xmlns:a16="http://schemas.microsoft.com/office/drawing/2014/main" id="{1FE70F96-A58B-44E2-A77C-3E4AB083F1F2}"/>
+              </a:ext>
+            </a:extLst>
+          </p:cNvPr>
+          <p:cNvPicPr>
+            <a:picLocks noChangeAspect="1"/>
+          </p:cNvPicPr>
+          <p:nvPr/>
+        </p:nvPicPr>
+        <p:blipFill>
+          <a:blip r:embed="rId3"/>
+          <a:stretch>
+            <a:fillRect/>
+          </a:stretch>
+        </p:blipFill>
+        <p:spPr>
+          <a:xfrm>
+            <a:off x="2170025" y="2626829"/>
+            <a:ext cx="3436835" cy="2061284"/>
+          </a:xfrm>
+          <a:prstGeom prst="rect">
+            <a:avLst/>
+          </a:prstGeom>
+        </p:spPr>
+      </p:pic>
+      <p:pic>
+        <p:nvPicPr>
+          <p:cNvPr id="11" name="Picture 10">
+            <a:extLst>
+              <a:ext uri="{FF2B5EF4-FFF2-40B4-BE49-F238E27FC236}">
+                <a16:creationId xmlns:a16="http://schemas.microsoft.com/office/drawing/2014/main" id="{7B687715-7606-4190-B5B2-3DEDFB9BB808}"/>
+              </a:ext>
+            </a:extLst>
+          </p:cNvPr>
+          <p:cNvPicPr>
+            <a:picLocks noChangeAspect="1"/>
+          </p:cNvPicPr>
+          <p:nvPr/>
+        </p:nvPicPr>
+        <p:blipFill>
+          <a:blip r:embed="rId4"/>
+          <a:stretch>
+            <a:fillRect/>
+          </a:stretch>
+        </p:blipFill>
+        <p:spPr>
+          <a:xfrm>
+            <a:off x="2414004" y="4652334"/>
+            <a:ext cx="3280851" cy="1967731"/>
+          </a:xfrm>
+          <a:prstGeom prst="rect">
+            <a:avLst/>
+          </a:prstGeom>
+        </p:spPr>
+      </p:pic>
+      <p:pic>
+        <p:nvPicPr>
+          <p:cNvPr id="2" name="Picture 1">
+            <a:extLst>
+              <a:ext uri="{FF2B5EF4-FFF2-40B4-BE49-F238E27FC236}">
+                <a16:creationId xmlns:a16="http://schemas.microsoft.com/office/drawing/2014/main" id="{9407164F-BAE0-4C7D-ABED-48A05D0DB2E2}"/>
+              </a:ext>
+            </a:extLst>
+          </p:cNvPr>
+          <p:cNvPicPr>
+            <a:picLocks noChangeAspect="1"/>
+          </p:cNvPicPr>
+          <p:nvPr/>
+        </p:nvPicPr>
+        <p:blipFill>
+          <a:blip r:embed="rId5"/>
+          <a:stretch>
+            <a:fillRect/>
+          </a:stretch>
+        </p:blipFill>
+        <p:spPr>
+          <a:xfrm>
+            <a:off x="6294495" y="2747053"/>
+            <a:ext cx="2903199" cy="1741230"/>
+          </a:xfrm>
+          <a:prstGeom prst="rect">
+            <a:avLst/>
+          </a:prstGeom>
+        </p:spPr>
+      </p:pic>
+      <p:pic>
+        <p:nvPicPr>
+          <p:cNvPr id="3" name="Picture 2">
+            <a:extLst>
+              <a:ext uri="{FF2B5EF4-FFF2-40B4-BE49-F238E27FC236}">
+                <a16:creationId xmlns:a16="http://schemas.microsoft.com/office/drawing/2014/main" id="{FF397857-D632-4077-9BC7-9F6963F9B8AF}"/>
+              </a:ext>
+            </a:extLst>
+          </p:cNvPr>
+          <p:cNvPicPr>
+            <a:picLocks noChangeAspect="1"/>
+          </p:cNvPicPr>
+          <p:nvPr/>
+        </p:nvPicPr>
+        <p:blipFill>
+          <a:blip r:embed="rId6"/>
+          <a:stretch>
+            <a:fillRect/>
+          </a:stretch>
+        </p:blipFill>
+        <p:spPr>
+          <a:xfrm>
+            <a:off x="6497147" y="4817282"/>
+            <a:ext cx="3005828" cy="1802783"/>
+          </a:xfrm>
+          <a:prstGeom prst="rect">
+            <a:avLst/>
+          </a:prstGeom>
+        </p:spPr>
+      </p:pic>
+      <p:pic>
+        <p:nvPicPr>
+          <p:cNvPr id="13" name="Picture 12">
+            <a:extLst>
+              <a:ext uri="{FF2B5EF4-FFF2-40B4-BE49-F238E27FC236}">
+                <a16:creationId xmlns:a16="http://schemas.microsoft.com/office/drawing/2014/main" id="{F168AA19-A339-4287-A680-FD8747A26ED5}"/>
+              </a:ext>
+            </a:extLst>
+          </p:cNvPr>
+          <p:cNvPicPr>
+            <a:picLocks noChangeAspect="1"/>
+          </p:cNvPicPr>
+          <p:nvPr/>
+        </p:nvPicPr>
+        <p:blipFill>
+          <a:blip r:embed="rId7"/>
+          <a:stretch>
+            <a:fillRect/>
+          </a:stretch>
+        </p:blipFill>
+        <p:spPr>
+          <a:xfrm>
+            <a:off x="6883468" y="10691"/>
+            <a:ext cx="4628452" cy="2775972"/>
+          </a:xfrm>
+          <a:prstGeom prst="rect">
+            <a:avLst/>
+          </a:prstGeom>
+        </p:spPr>
+      </p:pic>
     </p:spTree>
     <p:extLst>
       <p:ext uri="{BB962C8B-B14F-4D97-AF65-F5344CB8AC3E}">
-        <p14:creationId xmlns:p14="http://schemas.microsoft.com/office/powerpoint/2010/main" val="1136568350"/>
+        <p14:creationId xmlns:p14="http://schemas.microsoft.com/office/powerpoint/2010/main" val="1671316983"/>
+      </p:ext>
+    </p:extLst>
+  </p:cSld>
+  <p:clrMapOvr>
+    <a:masterClrMapping/>
+  </p:clrMapOvr>
+</p:sld>
+</file>
+
+<file path=ppt/slides/slide6.xml><?xml version="1.0" encoding="utf-8"?>
+<p:sld xmlns:a="http://schemas.openxmlformats.org/drawingml/2006/main" xmlns:r="http://schemas.openxmlformats.org/officeDocument/2006/relationships" xmlns:p="http://schemas.openxmlformats.org/presentationml/2006/main">
+  <p:cSld>
+    <p:spTree>
+      <p:nvGrpSpPr>
+        <p:cNvPr id="1" name=""/>
+        <p:cNvGrpSpPr/>
+        <p:nvPr/>
+      </p:nvGrpSpPr>
+      <p:grpSpPr>
+        <a:xfrm>
+          <a:off x="0" y="0"/>
+          <a:ext cx="0" cy="0"/>
+          <a:chOff x="0" y="0"/>
+          <a:chExt cx="0" cy="0"/>
+        </a:xfrm>
+      </p:grpSpPr>
+      <p:sp>
+        <p:nvSpPr>
+          <p:cNvPr id="2" name="Title 1">
+            <a:extLst>
+              <a:ext uri="{FF2B5EF4-FFF2-40B4-BE49-F238E27FC236}">
+                <a16:creationId xmlns:a16="http://schemas.microsoft.com/office/drawing/2014/main" id="{5D593C4D-8383-4FE7-BFF4-B0E8E5E9521D}"/>
+              </a:ext>
+            </a:extLst>
+          </p:cNvPr>
+          <p:cNvSpPr>
+            <a:spLocks noGrp="1"/>
+          </p:cNvSpPr>
+          <p:nvPr>
+            <p:ph type="title"/>
+          </p:nvPr>
+        </p:nvSpPr>
+        <p:spPr>
+          <a:xfrm>
+            <a:off x="693821" y="-10111"/>
+            <a:ext cx="3541295" cy="982412"/>
+          </a:xfrm>
+        </p:spPr>
+        <p:txBody>
+          <a:bodyPr>
+            <a:normAutofit/>
+          </a:bodyPr>
+          <a:lstStyle/>
+          <a:p>
+            <a:r>
+              <a:rPr lang="en-US" sz="2800" dirty="0"/>
+              <a:t>EV sensitivity and stats</a:t>
+            </a:r>
+          </a:p>
+        </p:txBody>
+      </p:sp>
+      <p:pic>
+        <p:nvPicPr>
+          <p:cNvPr id="3" name="Picture 2">
+            <a:extLst>
+              <a:ext uri="{FF2B5EF4-FFF2-40B4-BE49-F238E27FC236}">
+                <a16:creationId xmlns:a16="http://schemas.microsoft.com/office/drawing/2014/main" id="{F59ABE94-2670-4DD9-9221-7C99C5E4E7A1}"/>
+              </a:ext>
+            </a:extLst>
+          </p:cNvPr>
+          <p:cNvPicPr>
+            <a:picLocks noChangeAspect="1"/>
+          </p:cNvPicPr>
+          <p:nvPr/>
+        </p:nvPicPr>
+        <p:blipFill>
+          <a:blip r:embed="rId2"/>
+          <a:stretch>
+            <a:fillRect/>
+          </a:stretch>
+        </p:blipFill>
+        <p:spPr>
+          <a:xfrm>
+            <a:off x="533318" y="3774576"/>
+            <a:ext cx="4009524" cy="2404762"/>
+          </a:xfrm>
+          <a:prstGeom prst="rect">
+            <a:avLst/>
+          </a:prstGeom>
+        </p:spPr>
+      </p:pic>
+      <p:sp>
+        <p:nvSpPr>
+          <p:cNvPr id="4" name="TextBox 3">
+            <a:extLst>
+              <a:ext uri="{FF2B5EF4-FFF2-40B4-BE49-F238E27FC236}">
+                <a16:creationId xmlns:a16="http://schemas.microsoft.com/office/drawing/2014/main" id="{18644FC7-3475-44FB-823E-32ED1EF24B72}"/>
+              </a:ext>
+            </a:extLst>
+          </p:cNvPr>
+          <p:cNvSpPr txBox="1"/>
+          <p:nvPr/>
+        </p:nvSpPr>
+        <p:spPr>
+          <a:xfrm>
+            <a:off x="841045" y="6179338"/>
+            <a:ext cx="3394071" cy="646331"/>
+          </a:xfrm>
+          <a:prstGeom prst="rect">
+            <a:avLst/>
+          </a:prstGeom>
+          <a:noFill/>
+        </p:spPr>
+        <p:txBody>
+          <a:bodyPr wrap="none" rtlCol="0">
+            <a:spAutoFit/>
+          </a:bodyPr>
+          <a:lstStyle/>
+          <a:p>
+            <a:r>
+              <a:rPr lang="en-US" dirty="0"/>
+              <a:t>Participants learn the EV structure</a:t>
+            </a:r>
+          </a:p>
+          <a:p>
+            <a:r>
+              <a:rPr lang="en-US" dirty="0"/>
+              <a:t>throughout task</a:t>
+            </a:r>
+          </a:p>
+        </p:txBody>
+      </p:sp>
+      <p:pic>
+        <p:nvPicPr>
+          <p:cNvPr id="5" name="Picture 4">
+            <a:extLst>
+              <a:ext uri="{FF2B5EF4-FFF2-40B4-BE49-F238E27FC236}">
+                <a16:creationId xmlns:a16="http://schemas.microsoft.com/office/drawing/2014/main" id="{2DD196B1-BB92-4C3B-8148-48644A208925}"/>
+              </a:ext>
+            </a:extLst>
+          </p:cNvPr>
+          <p:cNvPicPr>
+            <a:picLocks noChangeAspect="1"/>
+          </p:cNvPicPr>
+          <p:nvPr/>
+        </p:nvPicPr>
+        <p:blipFill>
+          <a:blip r:embed="rId3"/>
+          <a:stretch>
+            <a:fillRect/>
+          </a:stretch>
+        </p:blipFill>
+        <p:spPr>
+          <a:xfrm>
+            <a:off x="269959" y="771029"/>
+            <a:ext cx="5007893" cy="3003547"/>
+          </a:xfrm>
+          <a:prstGeom prst="rect">
+            <a:avLst/>
+          </a:prstGeom>
+        </p:spPr>
+      </p:pic>
+      <p:pic>
+        <p:nvPicPr>
+          <p:cNvPr id="6" name="Picture 5">
+            <a:extLst>
+              <a:ext uri="{FF2B5EF4-FFF2-40B4-BE49-F238E27FC236}">
+                <a16:creationId xmlns:a16="http://schemas.microsoft.com/office/drawing/2014/main" id="{AEC51967-7280-409B-A5F6-2B2BED9FFB95}"/>
+              </a:ext>
+            </a:extLst>
+          </p:cNvPr>
+          <p:cNvPicPr>
+            <a:picLocks noChangeAspect="1"/>
+          </p:cNvPicPr>
+          <p:nvPr/>
+        </p:nvPicPr>
+        <p:blipFill>
+          <a:blip r:embed="rId4"/>
+          <a:stretch>
+            <a:fillRect/>
+          </a:stretch>
+        </p:blipFill>
+        <p:spPr>
+          <a:xfrm>
+            <a:off x="6772694" y="4097741"/>
+            <a:ext cx="4009524" cy="2404762"/>
+          </a:xfrm>
+          <a:prstGeom prst="rect">
+            <a:avLst/>
+          </a:prstGeom>
+        </p:spPr>
+      </p:pic>
+      <p:pic>
+        <p:nvPicPr>
+          <p:cNvPr id="8" name="Picture 7">
+            <a:extLst>
+              <a:ext uri="{FF2B5EF4-FFF2-40B4-BE49-F238E27FC236}">
+                <a16:creationId xmlns:a16="http://schemas.microsoft.com/office/drawing/2014/main" id="{8D551351-0203-4352-B053-84AD8A7B9CDD}"/>
+              </a:ext>
+            </a:extLst>
+          </p:cNvPr>
+          <p:cNvPicPr>
+            <a:picLocks noChangeAspect="1"/>
+          </p:cNvPicPr>
+          <p:nvPr/>
+        </p:nvPicPr>
+        <p:blipFill>
+          <a:blip r:embed="rId5"/>
+          <a:stretch>
+            <a:fillRect/>
+          </a:stretch>
+        </p:blipFill>
+        <p:spPr>
+          <a:xfrm>
+            <a:off x="6212305" y="111763"/>
+            <a:ext cx="5562600" cy="3703670"/>
+          </a:xfrm>
+          <a:prstGeom prst="rect">
+            <a:avLst/>
+          </a:prstGeom>
+        </p:spPr>
+      </p:pic>
+    </p:spTree>
+    <p:extLst>
+      <p:ext uri="{BB962C8B-B14F-4D97-AF65-F5344CB8AC3E}">
+        <p14:creationId xmlns:p14="http://schemas.microsoft.com/office/powerpoint/2010/main" val="3325326878"/>
+      </p:ext>
+    </p:extLst>
+  </p:cSld>
+  <p:clrMapOvr>
+    <a:masterClrMapping/>
+  </p:clrMapOvr>
+</p:sld>
+</file>
+
+<file path=ppt/slides/slide7.xml><?xml version="1.0" encoding="utf-8"?>
+<p:sld xmlns:a="http://schemas.openxmlformats.org/drawingml/2006/main" xmlns:r="http://schemas.openxmlformats.org/officeDocument/2006/relationships" xmlns:p="http://schemas.openxmlformats.org/presentationml/2006/main">
+  <p:cSld>
+    <p:spTree>
+      <p:nvGrpSpPr>
+        <p:cNvPr id="1" name=""/>
+        <p:cNvGrpSpPr/>
+        <p:nvPr/>
+      </p:nvGrpSpPr>
+      <p:grpSpPr>
+        <a:xfrm>
+          <a:off x="0" y="0"/>
+          <a:ext cx="0" cy="0"/>
+          <a:chOff x="0" y="0"/>
+          <a:chExt cx="0" cy="0"/>
+        </a:xfrm>
+      </p:grpSpPr>
+      <p:sp>
+        <p:nvSpPr>
+          <p:cNvPr id="2" name="Title 1">
+            <a:extLst>
+              <a:ext uri="{FF2B5EF4-FFF2-40B4-BE49-F238E27FC236}">
+                <a16:creationId xmlns:a16="http://schemas.microsoft.com/office/drawing/2014/main" id="{6B85964A-8DF9-4EDA-ACF3-E0DCD02F0D97}"/>
+              </a:ext>
+            </a:extLst>
+          </p:cNvPr>
+          <p:cNvSpPr>
+            <a:spLocks noGrp="1"/>
+          </p:cNvSpPr>
+          <p:nvPr>
+            <p:ph type="title"/>
+          </p:nvPr>
+        </p:nvSpPr>
+        <p:spPr>
+          <a:xfrm>
+            <a:off x="175470" y="0"/>
+            <a:ext cx="1765625" cy="649756"/>
+          </a:xfrm>
+        </p:spPr>
+        <p:txBody>
+          <a:bodyPr>
+            <a:normAutofit/>
+          </a:bodyPr>
+          <a:lstStyle/>
+          <a:p>
+            <a:r>
+              <a:rPr lang="en-US" sz="2400" dirty="0"/>
+              <a:t>Low Mag</a:t>
+            </a:r>
+          </a:p>
+        </p:txBody>
+      </p:sp>
+      <p:pic>
+        <p:nvPicPr>
+          <p:cNvPr id="3" name="Picture 2">
+            <a:extLst>
+              <a:ext uri="{FF2B5EF4-FFF2-40B4-BE49-F238E27FC236}">
+                <a16:creationId xmlns:a16="http://schemas.microsoft.com/office/drawing/2014/main" id="{E1B58453-57FC-43D9-94C9-1368F754CC10}"/>
+              </a:ext>
+            </a:extLst>
+          </p:cNvPr>
+          <p:cNvPicPr>
+            <a:picLocks noChangeAspect="1"/>
+          </p:cNvPicPr>
+          <p:nvPr/>
+        </p:nvPicPr>
+        <p:blipFill>
+          <a:blip r:embed="rId2"/>
+          <a:stretch>
+            <a:fillRect/>
+          </a:stretch>
+        </p:blipFill>
+        <p:spPr>
+          <a:xfrm>
+            <a:off x="706855" y="1149317"/>
+            <a:ext cx="3800977" cy="2279683"/>
+          </a:xfrm>
+          <a:prstGeom prst="rect">
+            <a:avLst/>
+          </a:prstGeom>
+        </p:spPr>
+      </p:pic>
+      <p:pic>
+        <p:nvPicPr>
+          <p:cNvPr id="4" name="Picture 3">
+            <a:extLst>
+              <a:ext uri="{FF2B5EF4-FFF2-40B4-BE49-F238E27FC236}">
+                <a16:creationId xmlns:a16="http://schemas.microsoft.com/office/drawing/2014/main" id="{4EBFE79D-3138-4334-B567-E9D63AE8D5C9}"/>
+              </a:ext>
+            </a:extLst>
+          </p:cNvPr>
+          <p:cNvPicPr>
+            <a:picLocks noChangeAspect="1"/>
+          </p:cNvPicPr>
+          <p:nvPr/>
+        </p:nvPicPr>
+        <p:blipFill>
+          <a:blip r:embed="rId3"/>
+          <a:stretch>
+            <a:fillRect/>
+          </a:stretch>
+        </p:blipFill>
+        <p:spPr>
+          <a:xfrm>
+            <a:off x="6931192" y="1087102"/>
+            <a:ext cx="4169945" cy="2500976"/>
+          </a:xfrm>
+          <a:prstGeom prst="rect">
+            <a:avLst/>
+          </a:prstGeom>
+        </p:spPr>
+      </p:pic>
+      <p:pic>
+        <p:nvPicPr>
+          <p:cNvPr id="5" name="Picture 4">
+            <a:extLst>
+              <a:ext uri="{FF2B5EF4-FFF2-40B4-BE49-F238E27FC236}">
+                <a16:creationId xmlns:a16="http://schemas.microsoft.com/office/drawing/2014/main" id="{18A92703-AA1D-4467-8887-C2BFF99DCA62}"/>
+              </a:ext>
+            </a:extLst>
+          </p:cNvPr>
+          <p:cNvPicPr>
+            <a:picLocks noChangeAspect="1"/>
+          </p:cNvPicPr>
+          <p:nvPr/>
+        </p:nvPicPr>
+        <p:blipFill>
+          <a:blip r:embed="rId4"/>
+          <a:stretch>
+            <a:fillRect/>
+          </a:stretch>
+        </p:blipFill>
+        <p:spPr>
+          <a:xfrm>
+            <a:off x="590458" y="3928561"/>
+            <a:ext cx="4169945" cy="2500976"/>
+          </a:xfrm>
+          <a:prstGeom prst="rect">
+            <a:avLst/>
+          </a:prstGeom>
+        </p:spPr>
+      </p:pic>
+      <p:pic>
+        <p:nvPicPr>
+          <p:cNvPr id="6" name="Picture 5">
+            <a:extLst>
+              <a:ext uri="{FF2B5EF4-FFF2-40B4-BE49-F238E27FC236}">
+                <a16:creationId xmlns:a16="http://schemas.microsoft.com/office/drawing/2014/main" id="{A541295D-0A96-48B6-9A3D-D3B4A8378BB7}"/>
+              </a:ext>
+            </a:extLst>
+          </p:cNvPr>
+          <p:cNvPicPr>
+            <a:picLocks noChangeAspect="1"/>
+          </p:cNvPicPr>
+          <p:nvPr/>
+        </p:nvPicPr>
+        <p:blipFill>
+          <a:blip r:embed="rId5"/>
+          <a:stretch>
+            <a:fillRect/>
+          </a:stretch>
+        </p:blipFill>
+        <p:spPr>
+          <a:xfrm>
+            <a:off x="6931192" y="3998825"/>
+            <a:ext cx="4298282" cy="2577948"/>
+          </a:xfrm>
+          <a:prstGeom prst="rect">
+            <a:avLst/>
+          </a:prstGeom>
+        </p:spPr>
+      </p:pic>
+    </p:spTree>
+    <p:extLst>
+      <p:ext uri="{BB962C8B-B14F-4D97-AF65-F5344CB8AC3E}">
+        <p14:creationId xmlns:p14="http://schemas.microsoft.com/office/powerpoint/2010/main" val="2032785483"/>
+      </p:ext>
+    </p:extLst>
+  </p:cSld>
+  <p:clrMapOvr>
+    <a:masterClrMapping/>
+  </p:clrMapOvr>
+</p:sld>
+</file>
+
+<file path=ppt/slides/slide8.xml><?xml version="1.0" encoding="utf-8"?>
+<p:sld xmlns:a="http://schemas.openxmlformats.org/drawingml/2006/main" xmlns:r="http://schemas.openxmlformats.org/officeDocument/2006/relationships" xmlns:p="http://schemas.openxmlformats.org/presentationml/2006/main">
+  <p:cSld>
+    <p:spTree>
+      <p:nvGrpSpPr>
+        <p:cNvPr id="1" name=""/>
+        <p:cNvGrpSpPr/>
+        <p:nvPr/>
+      </p:nvGrpSpPr>
+      <p:grpSpPr>
+        <a:xfrm>
+          <a:off x="0" y="0"/>
+          <a:ext cx="0" cy="0"/>
+          <a:chOff x="0" y="0"/>
+          <a:chExt cx="0" cy="0"/>
+        </a:xfrm>
+      </p:grpSpPr>
+      <p:pic>
+        <p:nvPicPr>
+          <p:cNvPr id="2" name="Picture 1">
+            <a:extLst>
+              <a:ext uri="{FF2B5EF4-FFF2-40B4-BE49-F238E27FC236}">
+                <a16:creationId xmlns:a16="http://schemas.microsoft.com/office/drawing/2014/main" id="{61016D28-F5B0-4CD9-B450-D8CBCC1155D2}"/>
+              </a:ext>
+            </a:extLst>
+          </p:cNvPr>
+          <p:cNvPicPr>
+            <a:picLocks noChangeAspect="1"/>
+          </p:cNvPicPr>
+          <p:nvPr/>
+        </p:nvPicPr>
+        <p:blipFill>
+          <a:blip r:embed="rId2"/>
+          <a:stretch>
+            <a:fillRect/>
+          </a:stretch>
+        </p:blipFill>
+        <p:spPr>
+          <a:xfrm>
+            <a:off x="530392" y="579735"/>
+            <a:ext cx="3223461" cy="1933311"/>
+          </a:xfrm>
+          <a:prstGeom prst="rect">
+            <a:avLst/>
+          </a:prstGeom>
+        </p:spPr>
+      </p:pic>
+      <p:sp>
+        <p:nvSpPr>
+          <p:cNvPr id="3" name="Title 1">
+            <a:extLst>
+              <a:ext uri="{FF2B5EF4-FFF2-40B4-BE49-F238E27FC236}">
+                <a16:creationId xmlns:a16="http://schemas.microsoft.com/office/drawing/2014/main" id="{F2750A11-98CC-430C-AB34-0D33EC43F38B}"/>
+              </a:ext>
+            </a:extLst>
+          </p:cNvPr>
+          <p:cNvSpPr>
+            <a:spLocks noGrp="1"/>
+          </p:cNvSpPr>
+          <p:nvPr>
+            <p:ph type="title"/>
+          </p:nvPr>
+        </p:nvSpPr>
+        <p:spPr>
+          <a:xfrm>
+            <a:off x="175470" y="0"/>
+            <a:ext cx="1765625" cy="649756"/>
+          </a:xfrm>
+        </p:spPr>
+        <p:txBody>
+          <a:bodyPr>
+            <a:normAutofit/>
+          </a:bodyPr>
+          <a:lstStyle/>
+          <a:p>
+            <a:r>
+              <a:rPr lang="en-US" sz="2400" dirty="0"/>
+              <a:t>Mid Mag</a:t>
+            </a:r>
+          </a:p>
+        </p:txBody>
+      </p:sp>
+    </p:spTree>
+    <p:extLst>
+      <p:ext uri="{BB962C8B-B14F-4D97-AF65-F5344CB8AC3E}">
+        <p14:creationId xmlns:p14="http://schemas.microsoft.com/office/powerpoint/2010/main" val="3939062193"/>
+      </p:ext>
+    </p:extLst>
+  </p:cSld>
+  <p:clrMapOvr>
+    <a:masterClrMapping/>
+  </p:clrMapOvr>
+</p:sld>
+</file>
+
+<file path=ppt/slides/slide9.xml><?xml version="1.0" encoding="utf-8"?>
+<p:sld xmlns:a="http://schemas.openxmlformats.org/drawingml/2006/main" xmlns:r="http://schemas.openxmlformats.org/officeDocument/2006/relationships" xmlns:p="http://schemas.openxmlformats.org/presentationml/2006/main">
+  <p:cSld>
+    <p:spTree>
+      <p:nvGrpSpPr>
+        <p:cNvPr id="1" name=""/>
+        <p:cNvGrpSpPr/>
+        <p:nvPr/>
+      </p:nvGrpSpPr>
+      <p:grpSpPr>
+        <a:xfrm>
+          <a:off x="0" y="0"/>
+          <a:ext cx="0" cy="0"/>
+          <a:chOff x="0" y="0"/>
+          <a:chExt cx="0" cy="0"/>
+        </a:xfrm>
+      </p:grpSpPr>
+      <p:sp>
+        <p:nvSpPr>
+          <p:cNvPr id="2" name="Title 1">
+            <a:extLst>
+              <a:ext uri="{FF2B5EF4-FFF2-40B4-BE49-F238E27FC236}">
+                <a16:creationId xmlns:a16="http://schemas.microsoft.com/office/drawing/2014/main" id="{72C9E3F3-A3A0-4BF8-B3EE-081A271A637E}"/>
+              </a:ext>
+            </a:extLst>
+          </p:cNvPr>
+          <p:cNvSpPr>
+            <a:spLocks noGrp="1"/>
+          </p:cNvSpPr>
+          <p:nvPr>
+            <p:ph type="title"/>
+          </p:nvPr>
+        </p:nvSpPr>
+        <p:spPr>
+          <a:xfrm>
+            <a:off x="175470" y="0"/>
+            <a:ext cx="1765625" cy="649756"/>
+          </a:xfrm>
+        </p:spPr>
+        <p:txBody>
+          <a:bodyPr>
+            <a:normAutofit/>
+          </a:bodyPr>
+          <a:lstStyle/>
+          <a:p>
+            <a:r>
+              <a:rPr lang="en-US" sz="2400" dirty="0"/>
+              <a:t>High Mag</a:t>
+            </a:r>
+          </a:p>
+        </p:txBody>
+      </p:sp>
+    </p:spTree>
+    <p:extLst>
+      <p:ext uri="{BB962C8B-B14F-4D97-AF65-F5344CB8AC3E}">
+        <p14:creationId xmlns:p14="http://schemas.microsoft.com/office/powerpoint/2010/main" val="2905144503"/>
       </p:ext>
     </p:extLst>
   </p:cSld>

--- a/RampResponseMappingNew2.1.pptx
+++ b/RampResponseMappingNew2.1.pptx
@@ -19,8 +19,13 @@
     <p:sldId id="270" r:id="rId13"/>
     <p:sldId id="271" r:id="rId14"/>
     <p:sldId id="272" r:id="rId15"/>
-    <p:sldId id="273" r:id="rId16"/>
-    <p:sldId id="274" r:id="rId17"/>
+    <p:sldId id="279" r:id="rId16"/>
+    <p:sldId id="273" r:id="rId17"/>
+    <p:sldId id="274" r:id="rId18"/>
+    <p:sldId id="275" r:id="rId19"/>
+    <p:sldId id="276" r:id="rId20"/>
+    <p:sldId id="277" r:id="rId21"/>
+    <p:sldId id="278" r:id="rId22"/>
   </p:sldIdLst>
   <p:sldSz cx="12192000" cy="6858000"/>
   <p:notesSz cx="6858000" cy="9144000"/>
@@ -274,7 +279,7 @@
           <a:p>
             <a:fld id="{84C1ED53-903A-45DD-9901-E10DC5FA45FE}" type="datetimeFigureOut">
               <a:rPr lang="en-US" smtClean="0"/>
-              <a:t>2/4/2019</a:t>
+              <a:t>2/5/2019</a:t>
             </a:fld>
             <a:endParaRPr lang="en-US"/>
           </a:p>
@@ -472,7 +477,7 @@
           <a:p>
             <a:fld id="{84C1ED53-903A-45DD-9901-E10DC5FA45FE}" type="datetimeFigureOut">
               <a:rPr lang="en-US" smtClean="0"/>
-              <a:t>2/4/2019</a:t>
+              <a:t>2/5/2019</a:t>
             </a:fld>
             <a:endParaRPr lang="en-US"/>
           </a:p>
@@ -680,7 +685,7 @@
           <a:p>
             <a:fld id="{84C1ED53-903A-45DD-9901-E10DC5FA45FE}" type="datetimeFigureOut">
               <a:rPr lang="en-US" smtClean="0"/>
-              <a:t>2/4/2019</a:t>
+              <a:t>2/5/2019</a:t>
             </a:fld>
             <a:endParaRPr lang="en-US"/>
           </a:p>
@@ -878,7 +883,7 @@
           <a:p>
             <a:fld id="{84C1ED53-903A-45DD-9901-E10DC5FA45FE}" type="datetimeFigureOut">
               <a:rPr lang="en-US" smtClean="0"/>
-              <a:t>2/4/2019</a:t>
+              <a:t>2/5/2019</a:t>
             </a:fld>
             <a:endParaRPr lang="en-US"/>
           </a:p>
@@ -1153,7 +1158,7 @@
           <a:p>
             <a:fld id="{84C1ED53-903A-45DD-9901-E10DC5FA45FE}" type="datetimeFigureOut">
               <a:rPr lang="en-US" smtClean="0"/>
-              <a:t>2/4/2019</a:t>
+              <a:t>2/5/2019</a:t>
             </a:fld>
             <a:endParaRPr lang="en-US"/>
           </a:p>
@@ -1418,7 +1423,7 @@
           <a:p>
             <a:fld id="{84C1ED53-903A-45DD-9901-E10DC5FA45FE}" type="datetimeFigureOut">
               <a:rPr lang="en-US" smtClean="0"/>
-              <a:t>2/4/2019</a:t>
+              <a:t>2/5/2019</a:t>
             </a:fld>
             <a:endParaRPr lang="en-US"/>
           </a:p>
@@ -1830,7 +1835,7 @@
           <a:p>
             <a:fld id="{84C1ED53-903A-45DD-9901-E10DC5FA45FE}" type="datetimeFigureOut">
               <a:rPr lang="en-US" smtClean="0"/>
-              <a:t>2/4/2019</a:t>
+              <a:t>2/5/2019</a:t>
             </a:fld>
             <a:endParaRPr lang="en-US"/>
           </a:p>
@@ -1971,7 +1976,7 @@
           <a:p>
             <a:fld id="{84C1ED53-903A-45DD-9901-E10DC5FA45FE}" type="datetimeFigureOut">
               <a:rPr lang="en-US" smtClean="0"/>
-              <a:t>2/4/2019</a:t>
+              <a:t>2/5/2019</a:t>
             </a:fld>
             <a:endParaRPr lang="en-US"/>
           </a:p>
@@ -2084,7 +2089,7 @@
           <a:p>
             <a:fld id="{84C1ED53-903A-45DD-9901-E10DC5FA45FE}" type="datetimeFigureOut">
               <a:rPr lang="en-US" smtClean="0"/>
-              <a:t>2/4/2019</a:t>
+              <a:t>2/5/2019</a:t>
             </a:fld>
             <a:endParaRPr lang="en-US"/>
           </a:p>
@@ -2395,7 +2400,7 @@
           <a:p>
             <a:fld id="{84C1ED53-903A-45DD-9901-E10DC5FA45FE}" type="datetimeFigureOut">
               <a:rPr lang="en-US" smtClean="0"/>
-              <a:t>2/4/2019</a:t>
+              <a:t>2/5/2019</a:t>
             </a:fld>
             <a:endParaRPr lang="en-US"/>
           </a:p>
@@ -2683,7 +2688,7 @@
           <a:p>
             <a:fld id="{84C1ED53-903A-45DD-9901-E10DC5FA45FE}" type="datetimeFigureOut">
               <a:rPr lang="en-US" smtClean="0"/>
-              <a:t>2/4/2019</a:t>
+              <a:t>2/5/2019</a:t>
             </a:fld>
             <a:endParaRPr lang="en-US"/>
           </a:p>
@@ -2924,7 +2929,7 @@
           <a:p>
             <a:fld id="{84C1ED53-903A-45DD-9901-E10DC5FA45FE}" type="datetimeFigureOut">
               <a:rPr lang="en-US" smtClean="0"/>
-              <a:t>2/4/2019</a:t>
+              <a:t>2/5/2019</a:t>
             </a:fld>
             <a:endParaRPr lang="en-US"/>
           </a:p>
@@ -3402,7 +3407,7 @@
           <a:p>
             <a:r>
               <a:rPr lang="en-US" dirty="0"/>
-              <a:t>1.31.19</a:t>
+              <a:t>2.5.19</a:t>
             </a:r>
           </a:p>
           <a:p>
@@ -3478,6 +3483,126 @@
           </a:p>
         </p:txBody>
       </p:sp>
+      <p:pic>
+        <p:nvPicPr>
+          <p:cNvPr id="3" name="Picture 2">
+            <a:extLst>
+              <a:ext uri="{FF2B5EF4-FFF2-40B4-BE49-F238E27FC236}">
+                <a16:creationId xmlns:a16="http://schemas.microsoft.com/office/drawing/2014/main" id="{1BC73B85-AE8C-4780-A48A-8CC9DC1FCB71}"/>
+              </a:ext>
+            </a:extLst>
+          </p:cNvPr>
+          <p:cNvPicPr>
+            <a:picLocks noChangeAspect="1"/>
+          </p:cNvPicPr>
+          <p:nvPr/>
+        </p:nvPicPr>
+        <p:blipFill>
+          <a:blip r:embed="rId2"/>
+          <a:stretch>
+            <a:fillRect/>
+          </a:stretch>
+        </p:blipFill>
+        <p:spPr>
+          <a:xfrm>
+            <a:off x="7577052" y="3970980"/>
+            <a:ext cx="4009524" cy="2404762"/>
+          </a:xfrm>
+          <a:prstGeom prst="rect">
+            <a:avLst/>
+          </a:prstGeom>
+        </p:spPr>
+      </p:pic>
+      <p:pic>
+        <p:nvPicPr>
+          <p:cNvPr id="4" name="Picture 3">
+            <a:extLst>
+              <a:ext uri="{FF2B5EF4-FFF2-40B4-BE49-F238E27FC236}">
+                <a16:creationId xmlns:a16="http://schemas.microsoft.com/office/drawing/2014/main" id="{927B379B-5D19-46F5-9AA9-01F1AEBB3C25}"/>
+              </a:ext>
+            </a:extLst>
+          </p:cNvPr>
+          <p:cNvPicPr>
+            <a:picLocks noChangeAspect="1"/>
+          </p:cNvPicPr>
+          <p:nvPr/>
+        </p:nvPicPr>
+        <p:blipFill>
+          <a:blip r:embed="rId3"/>
+          <a:stretch>
+            <a:fillRect/>
+          </a:stretch>
+        </p:blipFill>
+        <p:spPr>
+          <a:xfrm>
+            <a:off x="962198" y="3834484"/>
+            <a:ext cx="4009524" cy="2404762"/>
+          </a:xfrm>
+          <a:prstGeom prst="rect">
+            <a:avLst/>
+          </a:prstGeom>
+        </p:spPr>
+      </p:pic>
+      <p:pic>
+        <p:nvPicPr>
+          <p:cNvPr id="5" name="Picture 4">
+            <a:extLst>
+              <a:ext uri="{FF2B5EF4-FFF2-40B4-BE49-F238E27FC236}">
+                <a16:creationId xmlns:a16="http://schemas.microsoft.com/office/drawing/2014/main" id="{B9002A68-5944-4F0F-9FA5-CCF7E4593CFD}"/>
+              </a:ext>
+            </a:extLst>
+          </p:cNvPr>
+          <p:cNvPicPr>
+            <a:picLocks noChangeAspect="1"/>
+          </p:cNvPicPr>
+          <p:nvPr/>
+        </p:nvPicPr>
+        <p:blipFill>
+          <a:blip r:embed="rId4"/>
+          <a:stretch>
+            <a:fillRect/>
+          </a:stretch>
+        </p:blipFill>
+        <p:spPr>
+          <a:xfrm>
+            <a:off x="7754852" y="1018988"/>
+            <a:ext cx="3653924" cy="2191486"/>
+          </a:xfrm>
+          <a:prstGeom prst="rect">
+            <a:avLst/>
+          </a:prstGeom>
+        </p:spPr>
+      </p:pic>
+      <p:pic>
+        <p:nvPicPr>
+          <p:cNvPr id="6" name="Picture 5">
+            <a:extLst>
+              <a:ext uri="{FF2B5EF4-FFF2-40B4-BE49-F238E27FC236}">
+                <a16:creationId xmlns:a16="http://schemas.microsoft.com/office/drawing/2014/main" id="{C9902FEC-7EA9-4B37-8920-6DA57A2DD8E1}"/>
+              </a:ext>
+            </a:extLst>
+          </p:cNvPr>
+          <p:cNvPicPr>
+            <a:picLocks noChangeAspect="1"/>
+          </p:cNvPicPr>
+          <p:nvPr/>
+        </p:nvPicPr>
+        <p:blipFill>
+          <a:blip r:embed="rId5"/>
+          <a:stretch>
+            <a:fillRect/>
+          </a:stretch>
+        </p:blipFill>
+        <p:spPr>
+          <a:xfrm>
+            <a:off x="962198" y="920930"/>
+            <a:ext cx="3653925" cy="2191487"/>
+          </a:xfrm>
+          <a:prstGeom prst="rect">
+            <a:avLst/>
+          </a:prstGeom>
+        </p:spPr>
+      </p:pic>
     </p:spTree>
     <p:extLst>
       <p:ext uri="{BB962C8B-B14F-4D97-AF65-F5344CB8AC3E}">
@@ -3543,6 +3668,126 @@
           </a:p>
         </p:txBody>
       </p:sp>
+      <p:pic>
+        <p:nvPicPr>
+          <p:cNvPr id="7" name="Picture 6">
+            <a:extLst>
+              <a:ext uri="{FF2B5EF4-FFF2-40B4-BE49-F238E27FC236}">
+                <a16:creationId xmlns:a16="http://schemas.microsoft.com/office/drawing/2014/main" id="{1F61D01B-3400-4F26-9D18-D92410629220}"/>
+              </a:ext>
+            </a:extLst>
+          </p:cNvPr>
+          <p:cNvPicPr>
+            <a:picLocks noChangeAspect="1"/>
+          </p:cNvPicPr>
+          <p:nvPr/>
+        </p:nvPicPr>
+        <p:blipFill>
+          <a:blip r:embed="rId2"/>
+          <a:stretch>
+            <a:fillRect/>
+          </a:stretch>
+        </p:blipFill>
+        <p:spPr>
+          <a:xfrm>
+            <a:off x="867276" y="4056352"/>
+            <a:ext cx="3895224" cy="2336209"/>
+          </a:xfrm>
+          <a:prstGeom prst="rect">
+            <a:avLst/>
+          </a:prstGeom>
+        </p:spPr>
+      </p:pic>
+      <p:pic>
+        <p:nvPicPr>
+          <p:cNvPr id="8" name="Picture 7">
+            <a:extLst>
+              <a:ext uri="{FF2B5EF4-FFF2-40B4-BE49-F238E27FC236}">
+                <a16:creationId xmlns:a16="http://schemas.microsoft.com/office/drawing/2014/main" id="{7B618256-CC41-4ECB-B5EA-EFC9DDEBF259}"/>
+              </a:ext>
+            </a:extLst>
+          </p:cNvPr>
+          <p:cNvPicPr>
+            <a:picLocks noChangeAspect="1"/>
+          </p:cNvPicPr>
+          <p:nvPr/>
+        </p:nvPicPr>
+        <p:blipFill>
+          <a:blip r:embed="rId3"/>
+          <a:stretch>
+            <a:fillRect/>
+          </a:stretch>
+        </p:blipFill>
+        <p:spPr>
+          <a:xfrm>
+            <a:off x="6836276" y="1115209"/>
+            <a:ext cx="3565024" cy="2138168"/>
+          </a:xfrm>
+          <a:prstGeom prst="rect">
+            <a:avLst/>
+          </a:prstGeom>
+        </p:spPr>
+      </p:pic>
+      <p:pic>
+        <p:nvPicPr>
+          <p:cNvPr id="9" name="Picture 8">
+            <a:extLst>
+              <a:ext uri="{FF2B5EF4-FFF2-40B4-BE49-F238E27FC236}">
+                <a16:creationId xmlns:a16="http://schemas.microsoft.com/office/drawing/2014/main" id="{BC20DCB3-DFC9-4BA4-A62E-AE6E4F460D19}"/>
+              </a:ext>
+            </a:extLst>
+          </p:cNvPr>
+          <p:cNvPicPr>
+            <a:picLocks noChangeAspect="1"/>
+          </p:cNvPicPr>
+          <p:nvPr/>
+        </p:nvPicPr>
+        <p:blipFill>
+          <a:blip r:embed="rId4"/>
+          <a:stretch>
+            <a:fillRect/>
+          </a:stretch>
+        </p:blipFill>
+        <p:spPr>
+          <a:xfrm>
+            <a:off x="6836276" y="4056352"/>
+            <a:ext cx="3463424" cy="2077232"/>
+          </a:xfrm>
+          <a:prstGeom prst="rect">
+            <a:avLst/>
+          </a:prstGeom>
+        </p:spPr>
+      </p:pic>
+      <p:pic>
+        <p:nvPicPr>
+          <p:cNvPr id="10" name="Picture 9">
+            <a:extLst>
+              <a:ext uri="{FF2B5EF4-FFF2-40B4-BE49-F238E27FC236}">
+                <a16:creationId xmlns:a16="http://schemas.microsoft.com/office/drawing/2014/main" id="{5293D44F-FF8E-4A3D-A44B-1D1FC4966D6D}"/>
+              </a:ext>
+            </a:extLst>
+          </p:cNvPr>
+          <p:cNvPicPr>
+            <a:picLocks noChangeAspect="1"/>
+          </p:cNvPicPr>
+          <p:nvPr/>
+        </p:nvPicPr>
+        <p:blipFill>
+          <a:blip r:embed="rId5"/>
+          <a:stretch>
+            <a:fillRect/>
+          </a:stretch>
+        </p:blipFill>
+        <p:spPr>
+          <a:xfrm>
+            <a:off x="867276" y="1155608"/>
+            <a:ext cx="3628524" cy="2176253"/>
+          </a:xfrm>
+          <a:prstGeom prst="rect">
+            <a:avLst/>
+          </a:prstGeom>
+        </p:spPr>
+      </p:pic>
     </p:spTree>
     <p:extLst>
       <p:ext uri="{BB962C8B-B14F-4D97-AF65-F5344CB8AC3E}">
@@ -3608,6 +3853,126 @@
           </a:p>
         </p:txBody>
       </p:sp>
+      <p:pic>
+        <p:nvPicPr>
+          <p:cNvPr id="3" name="Picture 2">
+            <a:extLst>
+              <a:ext uri="{FF2B5EF4-FFF2-40B4-BE49-F238E27FC236}">
+                <a16:creationId xmlns:a16="http://schemas.microsoft.com/office/drawing/2014/main" id="{468EAFDD-FCA1-4EC8-8602-7BC873E79C7E}"/>
+              </a:ext>
+            </a:extLst>
+          </p:cNvPr>
+          <p:cNvPicPr>
+            <a:picLocks noChangeAspect="1"/>
+          </p:cNvPicPr>
+          <p:nvPr/>
+        </p:nvPicPr>
+        <p:blipFill>
+          <a:blip r:embed="rId2"/>
+          <a:stretch>
+            <a:fillRect/>
+          </a:stretch>
+        </p:blipFill>
+        <p:spPr>
+          <a:xfrm>
+            <a:off x="1172076" y="927098"/>
+            <a:ext cx="4009524" cy="2404763"/>
+          </a:xfrm>
+          <a:prstGeom prst="rect">
+            <a:avLst/>
+          </a:prstGeom>
+        </p:spPr>
+      </p:pic>
+      <p:pic>
+        <p:nvPicPr>
+          <p:cNvPr id="4" name="Picture 3">
+            <a:extLst>
+              <a:ext uri="{FF2B5EF4-FFF2-40B4-BE49-F238E27FC236}">
+                <a16:creationId xmlns:a16="http://schemas.microsoft.com/office/drawing/2014/main" id="{F38910EB-42DC-41B0-B007-C5EF8186D8D5}"/>
+              </a:ext>
+            </a:extLst>
+          </p:cNvPr>
+          <p:cNvPicPr>
+            <a:picLocks noChangeAspect="1"/>
+          </p:cNvPicPr>
+          <p:nvPr/>
+        </p:nvPicPr>
+        <p:blipFill>
+          <a:blip r:embed="rId3"/>
+          <a:stretch>
+            <a:fillRect/>
+          </a:stretch>
+        </p:blipFill>
+        <p:spPr>
+          <a:xfrm>
+            <a:off x="7010402" y="782376"/>
+            <a:ext cx="4250824" cy="2549485"/>
+          </a:xfrm>
+          <a:prstGeom prst="rect">
+            <a:avLst/>
+          </a:prstGeom>
+        </p:spPr>
+      </p:pic>
+      <p:pic>
+        <p:nvPicPr>
+          <p:cNvPr id="5" name="Picture 4">
+            <a:extLst>
+              <a:ext uri="{FF2B5EF4-FFF2-40B4-BE49-F238E27FC236}">
+                <a16:creationId xmlns:a16="http://schemas.microsoft.com/office/drawing/2014/main" id="{156A503B-2055-4B01-9598-610CE583217F}"/>
+              </a:ext>
+            </a:extLst>
+          </p:cNvPr>
+          <p:cNvPicPr>
+            <a:picLocks noChangeAspect="1"/>
+          </p:cNvPicPr>
+          <p:nvPr/>
+        </p:nvPicPr>
+        <p:blipFill>
+          <a:blip r:embed="rId4"/>
+          <a:stretch>
+            <a:fillRect/>
+          </a:stretch>
+        </p:blipFill>
+        <p:spPr>
+          <a:xfrm>
+            <a:off x="1045076" y="4020505"/>
+            <a:ext cx="4352424" cy="2610421"/>
+          </a:xfrm>
+          <a:prstGeom prst="rect">
+            <a:avLst/>
+          </a:prstGeom>
+        </p:spPr>
+      </p:pic>
+      <p:pic>
+        <p:nvPicPr>
+          <p:cNvPr id="6" name="Picture 5">
+            <a:extLst>
+              <a:ext uri="{FF2B5EF4-FFF2-40B4-BE49-F238E27FC236}">
+                <a16:creationId xmlns:a16="http://schemas.microsoft.com/office/drawing/2014/main" id="{ADAEA0FD-DABA-4617-ACE4-98DA6EA144A0}"/>
+              </a:ext>
+            </a:extLst>
+          </p:cNvPr>
+          <p:cNvPicPr>
+            <a:picLocks noChangeAspect="1"/>
+          </p:cNvPicPr>
+          <p:nvPr/>
+        </p:nvPicPr>
+        <p:blipFill>
+          <a:blip r:embed="rId5"/>
+          <a:stretch>
+            <a:fillRect/>
+          </a:stretch>
+        </p:blipFill>
+        <p:spPr>
+          <a:xfrm>
+            <a:off x="7344276" y="4020505"/>
+            <a:ext cx="4149224" cy="2488549"/>
+          </a:xfrm>
+          <a:prstGeom prst="rect">
+            <a:avLst/>
+          </a:prstGeom>
+        </p:spPr>
+      </p:pic>
     </p:spTree>
     <p:extLst>
       <p:ext uri="{BB962C8B-B14F-4D97-AF65-F5344CB8AC3E}">
@@ -3638,6 +4003,161 @@
           <a:chExt cx="0" cy="0"/>
         </a:xfrm>
       </p:grpSpPr>
+      <p:pic>
+        <p:nvPicPr>
+          <p:cNvPr id="2" name="Picture 1">
+            <a:extLst>
+              <a:ext uri="{FF2B5EF4-FFF2-40B4-BE49-F238E27FC236}">
+                <a16:creationId xmlns:a16="http://schemas.microsoft.com/office/drawing/2014/main" id="{D3DEAE24-E2A1-4AC6-B64F-F8CFA6DB6522}"/>
+              </a:ext>
+            </a:extLst>
+          </p:cNvPr>
+          <p:cNvPicPr>
+            <a:picLocks noChangeAspect="1"/>
+          </p:cNvPicPr>
+          <p:nvPr/>
+        </p:nvPicPr>
+        <p:blipFill>
+          <a:blip r:embed="rId2"/>
+          <a:stretch>
+            <a:fillRect/>
+          </a:stretch>
+        </p:blipFill>
+        <p:spPr>
+          <a:xfrm>
+            <a:off x="7004411" y="1208534"/>
+            <a:ext cx="3859493" cy="1866900"/>
+          </a:xfrm>
+          <a:prstGeom prst="rect">
+            <a:avLst/>
+          </a:prstGeom>
+        </p:spPr>
+      </p:pic>
+      <p:sp>
+        <p:nvSpPr>
+          <p:cNvPr id="3" name="Title 1">
+            <a:extLst>
+              <a:ext uri="{FF2B5EF4-FFF2-40B4-BE49-F238E27FC236}">
+                <a16:creationId xmlns:a16="http://schemas.microsoft.com/office/drawing/2014/main" id="{287EB63B-CFDB-4A9D-B804-A83DF9E7C0F1}"/>
+              </a:ext>
+            </a:extLst>
+          </p:cNvPr>
+          <p:cNvSpPr>
+            <a:spLocks noGrp="1"/>
+          </p:cNvSpPr>
+          <p:nvPr>
+            <p:ph type="title"/>
+          </p:nvPr>
+        </p:nvSpPr>
+        <p:spPr>
+          <a:xfrm>
+            <a:off x="0" y="0"/>
+            <a:ext cx="1765625" cy="649756"/>
+          </a:xfrm>
+        </p:spPr>
+        <p:txBody>
+          <a:bodyPr>
+            <a:normAutofit fontScale="90000"/>
+          </a:bodyPr>
+          <a:lstStyle/>
+          <a:p>
+            <a:r>
+              <a:rPr lang="en-US" sz="2400" dirty="0"/>
+              <a:t>High value – high mag</a:t>
+            </a:r>
+          </a:p>
+        </p:txBody>
+      </p:sp>
+      <p:pic>
+        <p:nvPicPr>
+          <p:cNvPr id="4" name="Picture 3">
+            <a:extLst>
+              <a:ext uri="{FF2B5EF4-FFF2-40B4-BE49-F238E27FC236}">
+                <a16:creationId xmlns:a16="http://schemas.microsoft.com/office/drawing/2014/main" id="{DE092DB3-346E-47CE-A1E9-8C57A3A5EA37}"/>
+              </a:ext>
+            </a:extLst>
+          </p:cNvPr>
+          <p:cNvPicPr>
+            <a:picLocks noChangeAspect="1"/>
+          </p:cNvPicPr>
+          <p:nvPr/>
+        </p:nvPicPr>
+        <p:blipFill>
+          <a:blip r:embed="rId3"/>
+          <a:stretch>
+            <a:fillRect/>
+          </a:stretch>
+        </p:blipFill>
+        <p:spPr>
+          <a:xfrm>
+            <a:off x="565771" y="1208534"/>
+            <a:ext cx="4179569" cy="2021727"/>
+          </a:xfrm>
+          <a:prstGeom prst="rect">
+            <a:avLst/>
+          </a:prstGeom>
+        </p:spPr>
+      </p:pic>
+      <p:pic>
+        <p:nvPicPr>
+          <p:cNvPr id="5" name="Picture 4">
+            <a:extLst>
+              <a:ext uri="{FF2B5EF4-FFF2-40B4-BE49-F238E27FC236}">
+                <a16:creationId xmlns:a16="http://schemas.microsoft.com/office/drawing/2014/main" id="{9137C58B-E827-49AC-AA17-4166AF7A708B}"/>
+              </a:ext>
+            </a:extLst>
+          </p:cNvPr>
+          <p:cNvPicPr>
+            <a:picLocks noChangeAspect="1"/>
+          </p:cNvPicPr>
+          <p:nvPr/>
+        </p:nvPicPr>
+        <p:blipFill>
+          <a:blip r:embed="rId4"/>
+          <a:stretch>
+            <a:fillRect/>
+          </a:stretch>
+        </p:blipFill>
+        <p:spPr>
+          <a:xfrm>
+            <a:off x="337171" y="3789039"/>
+            <a:ext cx="5758829" cy="2785641"/>
+          </a:xfrm>
+          <a:prstGeom prst="rect">
+            <a:avLst/>
+          </a:prstGeom>
+        </p:spPr>
+      </p:pic>
+      <p:pic>
+        <p:nvPicPr>
+          <p:cNvPr id="6" name="Picture 5">
+            <a:extLst>
+              <a:ext uri="{FF2B5EF4-FFF2-40B4-BE49-F238E27FC236}">
+                <a16:creationId xmlns:a16="http://schemas.microsoft.com/office/drawing/2014/main" id="{9B7590FB-7099-41C8-885F-C27B77C36751}"/>
+              </a:ext>
+            </a:extLst>
+          </p:cNvPr>
+          <p:cNvPicPr>
+            <a:picLocks noChangeAspect="1"/>
+          </p:cNvPicPr>
+          <p:nvPr/>
+        </p:nvPicPr>
+        <p:blipFill>
+          <a:blip r:embed="rId5"/>
+          <a:stretch>
+            <a:fillRect/>
+          </a:stretch>
+        </p:blipFill>
+        <p:spPr>
+          <a:xfrm>
+            <a:off x="6570378" y="3782567"/>
+            <a:ext cx="4727558" cy="2286797"/>
+          </a:xfrm>
+          <a:prstGeom prst="rect">
+            <a:avLst/>
+          </a:prstGeom>
+        </p:spPr>
+      </p:pic>
     </p:spTree>
     <p:extLst>
       <p:ext uri="{BB962C8B-B14F-4D97-AF65-F5344CB8AC3E}">
@@ -3668,6 +4188,161 @@
           <a:chExt cx="0" cy="0"/>
         </a:xfrm>
       </p:grpSpPr>
+      <p:pic>
+        <p:nvPicPr>
+          <p:cNvPr id="2" name="Picture 1">
+            <a:extLst>
+              <a:ext uri="{FF2B5EF4-FFF2-40B4-BE49-F238E27FC236}">
+                <a16:creationId xmlns:a16="http://schemas.microsoft.com/office/drawing/2014/main" id="{4AE60A6B-352F-43C4-8F8D-C5ADFF7B3E68}"/>
+              </a:ext>
+            </a:extLst>
+          </p:cNvPr>
+          <p:cNvPicPr>
+            <a:picLocks noChangeAspect="1"/>
+          </p:cNvPicPr>
+          <p:nvPr/>
+        </p:nvPicPr>
+        <p:blipFill>
+          <a:blip r:embed="rId2"/>
+          <a:stretch>
+            <a:fillRect/>
+          </a:stretch>
+        </p:blipFill>
+        <p:spPr>
+          <a:xfrm>
+            <a:off x="6172200" y="1321381"/>
+            <a:ext cx="4641229" cy="2245039"/>
+          </a:xfrm>
+          <a:prstGeom prst="rect">
+            <a:avLst/>
+          </a:prstGeom>
+        </p:spPr>
+      </p:pic>
+      <p:sp>
+        <p:nvSpPr>
+          <p:cNvPr id="3" name="Title 1">
+            <a:extLst>
+              <a:ext uri="{FF2B5EF4-FFF2-40B4-BE49-F238E27FC236}">
+                <a16:creationId xmlns:a16="http://schemas.microsoft.com/office/drawing/2014/main" id="{9D24FE03-CABB-4149-BF45-214D65A28008}"/>
+              </a:ext>
+            </a:extLst>
+          </p:cNvPr>
+          <p:cNvSpPr>
+            <a:spLocks noGrp="1"/>
+          </p:cNvSpPr>
+          <p:nvPr>
+            <p:ph type="title"/>
+          </p:nvPr>
+        </p:nvSpPr>
+        <p:spPr>
+          <a:xfrm>
+            <a:off x="0" y="0"/>
+            <a:ext cx="4914900" cy="649756"/>
+          </a:xfrm>
+        </p:spPr>
+        <p:txBody>
+          <a:bodyPr>
+            <a:normAutofit fontScale="90000"/>
+          </a:bodyPr>
+          <a:lstStyle/>
+          <a:p>
+            <a:r>
+              <a:rPr lang="en-US" sz="2400" dirty="0"/>
+              <a:t>People who responded well to value – mid value trials only </a:t>
+            </a:r>
+          </a:p>
+        </p:txBody>
+      </p:sp>
+      <p:pic>
+        <p:nvPicPr>
+          <p:cNvPr id="4" name="Picture 3">
+            <a:extLst>
+              <a:ext uri="{FF2B5EF4-FFF2-40B4-BE49-F238E27FC236}">
+                <a16:creationId xmlns:a16="http://schemas.microsoft.com/office/drawing/2014/main" id="{E177D66B-E8AA-4AF7-A743-2C9A085A3E5A}"/>
+              </a:ext>
+            </a:extLst>
+          </p:cNvPr>
+          <p:cNvPicPr>
+            <a:picLocks noChangeAspect="1"/>
+          </p:cNvPicPr>
+          <p:nvPr/>
+        </p:nvPicPr>
+        <p:blipFill>
+          <a:blip r:embed="rId3"/>
+          <a:stretch>
+            <a:fillRect/>
+          </a:stretch>
+        </p:blipFill>
+        <p:spPr>
+          <a:xfrm>
+            <a:off x="908671" y="4439622"/>
+            <a:ext cx="4641229" cy="2245039"/>
+          </a:xfrm>
+          <a:prstGeom prst="rect">
+            <a:avLst/>
+          </a:prstGeom>
+        </p:spPr>
+      </p:pic>
+      <p:pic>
+        <p:nvPicPr>
+          <p:cNvPr id="5" name="Picture 4">
+            <a:extLst>
+              <a:ext uri="{FF2B5EF4-FFF2-40B4-BE49-F238E27FC236}">
+                <a16:creationId xmlns:a16="http://schemas.microsoft.com/office/drawing/2014/main" id="{C39FE63E-CB68-4636-AF73-CF94583AE267}"/>
+              </a:ext>
+            </a:extLst>
+          </p:cNvPr>
+          <p:cNvPicPr>
+            <a:picLocks noChangeAspect="1"/>
+          </p:cNvPicPr>
+          <p:nvPr/>
+        </p:nvPicPr>
+        <p:blipFill>
+          <a:blip r:embed="rId4"/>
+          <a:stretch>
+            <a:fillRect/>
+          </a:stretch>
+        </p:blipFill>
+        <p:spPr>
+          <a:xfrm>
+            <a:off x="6685929" y="4414099"/>
+            <a:ext cx="4127500" cy="1996540"/>
+          </a:xfrm>
+          <a:prstGeom prst="rect">
+            <a:avLst/>
+          </a:prstGeom>
+        </p:spPr>
+      </p:pic>
+      <p:pic>
+        <p:nvPicPr>
+          <p:cNvPr id="6" name="Picture 5">
+            <a:extLst>
+              <a:ext uri="{FF2B5EF4-FFF2-40B4-BE49-F238E27FC236}">
+                <a16:creationId xmlns:a16="http://schemas.microsoft.com/office/drawing/2014/main" id="{3754BBA8-47A4-4F1F-A0FC-BC4F094D735B}"/>
+              </a:ext>
+            </a:extLst>
+          </p:cNvPr>
+          <p:cNvPicPr>
+            <a:picLocks noChangeAspect="1"/>
+          </p:cNvPicPr>
+          <p:nvPr/>
+        </p:nvPicPr>
+        <p:blipFill>
+          <a:blip r:embed="rId5"/>
+          <a:stretch>
+            <a:fillRect/>
+          </a:stretch>
+        </p:blipFill>
+        <p:spPr>
+          <a:xfrm>
+            <a:off x="997571" y="1147555"/>
+            <a:ext cx="4057029" cy="1962452"/>
+          </a:xfrm>
+          <a:prstGeom prst="rect">
+            <a:avLst/>
+          </a:prstGeom>
+        </p:spPr>
+      </p:pic>
     </p:spTree>
     <p:extLst>
       <p:ext uri="{BB962C8B-B14F-4D97-AF65-F5344CB8AC3E}">
@@ -3698,10 +4373,165 @@
           <a:chExt cx="0" cy="0"/>
         </a:xfrm>
       </p:grpSpPr>
+      <p:sp>
+        <p:nvSpPr>
+          <p:cNvPr id="3" name="Title 1">
+            <a:extLst>
+              <a:ext uri="{FF2B5EF4-FFF2-40B4-BE49-F238E27FC236}">
+                <a16:creationId xmlns:a16="http://schemas.microsoft.com/office/drawing/2014/main" id="{9D24FE03-CABB-4149-BF45-214D65A28008}"/>
+              </a:ext>
+            </a:extLst>
+          </p:cNvPr>
+          <p:cNvSpPr>
+            <a:spLocks noGrp="1"/>
+          </p:cNvSpPr>
+          <p:nvPr>
+            <p:ph type="title"/>
+          </p:nvPr>
+        </p:nvSpPr>
+        <p:spPr>
+          <a:xfrm>
+            <a:off x="0" y="0"/>
+            <a:ext cx="4914900" cy="649756"/>
+          </a:xfrm>
+        </p:spPr>
+        <p:txBody>
+          <a:bodyPr>
+            <a:normAutofit fontScale="90000"/>
+          </a:bodyPr>
+          <a:lstStyle/>
+          <a:p>
+            <a:r>
+              <a:rPr lang="en-US" sz="2400" dirty="0"/>
+              <a:t>Only second 2/3rds of session, all participants</a:t>
+            </a:r>
+          </a:p>
+        </p:txBody>
+      </p:sp>
+      <p:pic>
+        <p:nvPicPr>
+          <p:cNvPr id="9" name="Picture 8">
+            <a:extLst>
+              <a:ext uri="{FF2B5EF4-FFF2-40B4-BE49-F238E27FC236}">
+                <a16:creationId xmlns:a16="http://schemas.microsoft.com/office/drawing/2014/main" id="{81B51B0F-0DE8-4AE2-B170-E0BE81C6A5E2}"/>
+              </a:ext>
+            </a:extLst>
+          </p:cNvPr>
+          <p:cNvPicPr>
+            <a:picLocks noChangeAspect="1"/>
+          </p:cNvPicPr>
+          <p:nvPr/>
+        </p:nvPicPr>
+        <p:blipFill>
+          <a:blip r:embed="rId2"/>
+          <a:stretch>
+            <a:fillRect/>
+          </a:stretch>
+        </p:blipFill>
+        <p:spPr>
+          <a:xfrm>
+            <a:off x="6418467" y="1226491"/>
+            <a:ext cx="4914900" cy="2377418"/>
+          </a:xfrm>
+          <a:prstGeom prst="rect">
+            <a:avLst/>
+          </a:prstGeom>
+        </p:spPr>
+      </p:pic>
+      <p:pic>
+        <p:nvPicPr>
+          <p:cNvPr id="10" name="Picture 9">
+            <a:extLst>
+              <a:ext uri="{FF2B5EF4-FFF2-40B4-BE49-F238E27FC236}">
+                <a16:creationId xmlns:a16="http://schemas.microsoft.com/office/drawing/2014/main" id="{8FC73CA1-7547-42AA-A3CC-DC252D9649A8}"/>
+              </a:ext>
+            </a:extLst>
+          </p:cNvPr>
+          <p:cNvPicPr>
+            <a:picLocks noChangeAspect="1"/>
+          </p:cNvPicPr>
+          <p:nvPr/>
+        </p:nvPicPr>
+        <p:blipFill>
+          <a:blip r:embed="rId3"/>
+          <a:stretch>
+            <a:fillRect/>
+          </a:stretch>
+        </p:blipFill>
+        <p:spPr>
+          <a:xfrm>
+            <a:off x="858633" y="1494020"/>
+            <a:ext cx="4361829" cy="2109889"/>
+          </a:xfrm>
+          <a:prstGeom prst="rect">
+            <a:avLst/>
+          </a:prstGeom>
+        </p:spPr>
+      </p:pic>
+      <p:pic>
+        <p:nvPicPr>
+          <p:cNvPr id="11" name="Picture 10">
+            <a:extLst>
+              <a:ext uri="{FF2B5EF4-FFF2-40B4-BE49-F238E27FC236}">
+                <a16:creationId xmlns:a16="http://schemas.microsoft.com/office/drawing/2014/main" id="{240ECDA0-1E5C-4DDC-BF8B-32DEB6706F3F}"/>
+              </a:ext>
+            </a:extLst>
+          </p:cNvPr>
+          <p:cNvPicPr>
+            <a:picLocks noChangeAspect="1"/>
+          </p:cNvPicPr>
+          <p:nvPr/>
+        </p:nvPicPr>
+        <p:blipFill>
+          <a:blip r:embed="rId4"/>
+          <a:stretch>
+            <a:fillRect/>
+          </a:stretch>
+        </p:blipFill>
+        <p:spPr>
+          <a:xfrm>
+            <a:off x="489664" y="4309035"/>
+            <a:ext cx="4730798" cy="2288365"/>
+          </a:xfrm>
+          <a:prstGeom prst="rect">
+            <a:avLst/>
+          </a:prstGeom>
+        </p:spPr>
+      </p:pic>
+      <p:pic>
+        <p:nvPicPr>
+          <p:cNvPr id="12" name="Picture 11">
+            <a:extLst>
+              <a:ext uri="{FF2B5EF4-FFF2-40B4-BE49-F238E27FC236}">
+                <a16:creationId xmlns:a16="http://schemas.microsoft.com/office/drawing/2014/main" id="{ED076A83-2ED8-4ACA-9208-71AE495C51E7}"/>
+              </a:ext>
+            </a:extLst>
+          </p:cNvPr>
+          <p:cNvPicPr>
+            <a:picLocks noChangeAspect="1"/>
+          </p:cNvPicPr>
+          <p:nvPr/>
+        </p:nvPicPr>
+        <p:blipFill>
+          <a:blip r:embed="rId5"/>
+          <a:stretch>
+            <a:fillRect/>
+          </a:stretch>
+        </p:blipFill>
+        <p:spPr>
+          <a:xfrm>
+            <a:off x="6827159" y="4309035"/>
+            <a:ext cx="4506208" cy="2179727"/>
+          </a:xfrm>
+          <a:prstGeom prst="rect">
+            <a:avLst/>
+          </a:prstGeom>
+        </p:spPr>
+      </p:pic>
     </p:spTree>
     <p:extLst>
       <p:ext uri="{BB962C8B-B14F-4D97-AF65-F5344CB8AC3E}">
-        <p14:creationId xmlns:p14="http://schemas.microsoft.com/office/powerpoint/2010/main" val="891597274"/>
+        <p14:creationId xmlns:p14="http://schemas.microsoft.com/office/powerpoint/2010/main" val="4178064612"/>
       </p:ext>
     </p:extLst>
   </p:cSld>
@@ -3728,10 +4558,820 @@
           <a:chExt cx="0" cy="0"/>
         </a:xfrm>
       </p:grpSpPr>
+      <p:pic>
+        <p:nvPicPr>
+          <p:cNvPr id="2" name="Picture 1">
+            <a:extLst>
+              <a:ext uri="{FF2B5EF4-FFF2-40B4-BE49-F238E27FC236}">
+                <a16:creationId xmlns:a16="http://schemas.microsoft.com/office/drawing/2014/main" id="{8B1B4C4B-18E0-46DD-B022-BFB2378E3F45}"/>
+              </a:ext>
+            </a:extLst>
+          </p:cNvPr>
+          <p:cNvPicPr>
+            <a:picLocks noChangeAspect="1"/>
+          </p:cNvPicPr>
+          <p:nvPr/>
+        </p:nvPicPr>
+        <p:blipFill>
+          <a:blip r:embed="rId2"/>
+          <a:stretch>
+            <a:fillRect/>
+          </a:stretch>
+        </p:blipFill>
+        <p:spPr>
+          <a:xfrm>
+            <a:off x="8181046" y="3799896"/>
+            <a:ext cx="3650629" cy="1765869"/>
+          </a:xfrm>
+          <a:prstGeom prst="rect">
+            <a:avLst/>
+          </a:prstGeom>
+        </p:spPr>
+      </p:pic>
+      <p:pic>
+        <p:nvPicPr>
+          <p:cNvPr id="3" name="Picture 2">
+            <a:extLst>
+              <a:ext uri="{FF2B5EF4-FFF2-40B4-BE49-F238E27FC236}">
+                <a16:creationId xmlns:a16="http://schemas.microsoft.com/office/drawing/2014/main" id="{EDB1B363-6FF8-438B-A60A-7FD8318D2BA2}"/>
+              </a:ext>
+            </a:extLst>
+          </p:cNvPr>
+          <p:cNvPicPr>
+            <a:picLocks noChangeAspect="1"/>
+          </p:cNvPicPr>
+          <p:nvPr/>
+        </p:nvPicPr>
+        <p:blipFill>
+          <a:blip r:embed="rId3"/>
+          <a:stretch>
+            <a:fillRect/>
+          </a:stretch>
+        </p:blipFill>
+        <p:spPr>
+          <a:xfrm>
+            <a:off x="8181046" y="693700"/>
+            <a:ext cx="3650629" cy="1765869"/>
+          </a:xfrm>
+          <a:prstGeom prst="rect">
+            <a:avLst/>
+          </a:prstGeom>
+        </p:spPr>
+      </p:pic>
+      <p:pic>
+        <p:nvPicPr>
+          <p:cNvPr id="4" name="Picture 3">
+            <a:extLst>
+              <a:ext uri="{FF2B5EF4-FFF2-40B4-BE49-F238E27FC236}">
+                <a16:creationId xmlns:a16="http://schemas.microsoft.com/office/drawing/2014/main" id="{E5957AE1-B0D0-4357-A4FE-DE142CA45634}"/>
+              </a:ext>
+            </a:extLst>
+          </p:cNvPr>
+          <p:cNvPicPr>
+            <a:picLocks noChangeAspect="1"/>
+          </p:cNvPicPr>
+          <p:nvPr/>
+        </p:nvPicPr>
+        <p:blipFill>
+          <a:blip r:embed="rId4"/>
+          <a:stretch>
+            <a:fillRect/>
+          </a:stretch>
+        </p:blipFill>
+        <p:spPr>
+          <a:xfrm>
+            <a:off x="4016683" y="3799896"/>
+            <a:ext cx="4018930" cy="1944023"/>
+          </a:xfrm>
+          <a:prstGeom prst="rect">
+            <a:avLst/>
+          </a:prstGeom>
+        </p:spPr>
+      </p:pic>
+      <p:pic>
+        <p:nvPicPr>
+          <p:cNvPr id="5" name="Picture 4">
+            <a:extLst>
+              <a:ext uri="{FF2B5EF4-FFF2-40B4-BE49-F238E27FC236}">
+                <a16:creationId xmlns:a16="http://schemas.microsoft.com/office/drawing/2014/main" id="{4AC13F36-B335-4C09-9876-074A75E9195B}"/>
+              </a:ext>
+            </a:extLst>
+          </p:cNvPr>
+          <p:cNvPicPr>
+            <a:picLocks noChangeAspect="1"/>
+          </p:cNvPicPr>
+          <p:nvPr/>
+        </p:nvPicPr>
+        <p:blipFill>
+          <a:blip r:embed="rId5"/>
+          <a:stretch>
+            <a:fillRect/>
+          </a:stretch>
+        </p:blipFill>
+        <p:spPr>
+          <a:xfrm>
+            <a:off x="4089403" y="649144"/>
+            <a:ext cx="3953063" cy="1912161"/>
+          </a:xfrm>
+          <a:prstGeom prst="rect">
+            <a:avLst/>
+          </a:prstGeom>
+        </p:spPr>
+      </p:pic>
+      <p:pic>
+        <p:nvPicPr>
+          <p:cNvPr id="6" name="Picture 5">
+            <a:extLst>
+              <a:ext uri="{FF2B5EF4-FFF2-40B4-BE49-F238E27FC236}">
+                <a16:creationId xmlns:a16="http://schemas.microsoft.com/office/drawing/2014/main" id="{F860CFE6-E563-482A-B1D9-E297FCC59D72}"/>
+              </a:ext>
+            </a:extLst>
+          </p:cNvPr>
+          <p:cNvPicPr>
+            <a:picLocks noChangeAspect="1"/>
+          </p:cNvPicPr>
+          <p:nvPr/>
+        </p:nvPicPr>
+        <p:blipFill>
+          <a:blip r:embed="rId6"/>
+          <a:stretch>
+            <a:fillRect/>
+          </a:stretch>
+        </p:blipFill>
+        <p:spPr>
+          <a:xfrm>
+            <a:off x="63621" y="3799897"/>
+            <a:ext cx="4018929" cy="1944022"/>
+          </a:xfrm>
+          <a:prstGeom prst="rect">
+            <a:avLst/>
+          </a:prstGeom>
+        </p:spPr>
+      </p:pic>
+      <p:pic>
+        <p:nvPicPr>
+          <p:cNvPr id="7" name="Picture 6">
+            <a:extLst>
+              <a:ext uri="{FF2B5EF4-FFF2-40B4-BE49-F238E27FC236}">
+                <a16:creationId xmlns:a16="http://schemas.microsoft.com/office/drawing/2014/main" id="{DC92BE09-D775-4C89-9E34-7FDD566D1764}"/>
+              </a:ext>
+            </a:extLst>
+          </p:cNvPr>
+          <p:cNvPicPr>
+            <a:picLocks noChangeAspect="1"/>
+          </p:cNvPicPr>
+          <p:nvPr/>
+        </p:nvPicPr>
+        <p:blipFill>
+          <a:blip r:embed="rId7"/>
+          <a:stretch>
+            <a:fillRect/>
+          </a:stretch>
+        </p:blipFill>
+        <p:spPr>
+          <a:xfrm>
+            <a:off x="137459" y="605051"/>
+            <a:ext cx="3813364" cy="1844587"/>
+          </a:xfrm>
+          <a:prstGeom prst="rect">
+            <a:avLst/>
+          </a:prstGeom>
+        </p:spPr>
+      </p:pic>
+    </p:spTree>
+    <p:extLst>
+      <p:ext uri="{BB962C8B-B14F-4D97-AF65-F5344CB8AC3E}">
+        <p14:creationId xmlns:p14="http://schemas.microsoft.com/office/powerpoint/2010/main" val="891597274"/>
+      </p:ext>
+    </p:extLst>
+  </p:cSld>
+  <p:clrMapOvr>
+    <a:masterClrMapping/>
+  </p:clrMapOvr>
+</p:sld>
+</file>
+
+<file path=ppt/slides/slide17.xml><?xml version="1.0" encoding="utf-8"?>
+<p:sld xmlns:a="http://schemas.openxmlformats.org/drawingml/2006/main" xmlns:r="http://schemas.openxmlformats.org/officeDocument/2006/relationships" xmlns:p="http://schemas.openxmlformats.org/presentationml/2006/main">
+  <p:cSld>
+    <p:spTree>
+      <p:nvGrpSpPr>
+        <p:cNvPr id="1" name=""/>
+        <p:cNvGrpSpPr/>
+        <p:nvPr/>
+      </p:nvGrpSpPr>
+      <p:grpSpPr>
+        <a:xfrm>
+          <a:off x="0" y="0"/>
+          <a:ext cx="0" cy="0"/>
+          <a:chOff x="0" y="0"/>
+          <a:chExt cx="0" cy="0"/>
+        </a:xfrm>
+      </p:grpSpPr>
+      <p:pic>
+        <p:nvPicPr>
+          <p:cNvPr id="3" name="Picture 2">
+            <a:extLst>
+              <a:ext uri="{FF2B5EF4-FFF2-40B4-BE49-F238E27FC236}">
+                <a16:creationId xmlns:a16="http://schemas.microsoft.com/office/drawing/2014/main" id="{FE2CC081-0C99-4801-89EB-1A833A8E0286}"/>
+              </a:ext>
+            </a:extLst>
+          </p:cNvPr>
+          <p:cNvPicPr>
+            <a:picLocks noChangeAspect="1"/>
+          </p:cNvPicPr>
+          <p:nvPr/>
+        </p:nvPicPr>
+        <p:blipFill>
+          <a:blip r:embed="rId2"/>
+          <a:stretch>
+            <a:fillRect/>
+          </a:stretch>
+        </p:blipFill>
+        <p:spPr>
+          <a:xfrm>
+            <a:off x="7809258" y="3827074"/>
+            <a:ext cx="4476129" cy="2165177"/>
+          </a:xfrm>
+          <a:prstGeom prst="rect">
+            <a:avLst/>
+          </a:prstGeom>
+        </p:spPr>
+      </p:pic>
+      <p:pic>
+        <p:nvPicPr>
+          <p:cNvPr id="4" name="Picture 3">
+            <a:extLst>
+              <a:ext uri="{FF2B5EF4-FFF2-40B4-BE49-F238E27FC236}">
+                <a16:creationId xmlns:a16="http://schemas.microsoft.com/office/drawing/2014/main" id="{E21659F9-7913-4BE4-AE14-9BF45399A3BA}"/>
+              </a:ext>
+            </a:extLst>
+          </p:cNvPr>
+          <p:cNvPicPr>
+            <a:picLocks noChangeAspect="1"/>
+          </p:cNvPicPr>
+          <p:nvPr/>
+        </p:nvPicPr>
+        <p:blipFill>
+          <a:blip r:embed="rId3"/>
+          <a:stretch>
+            <a:fillRect/>
+          </a:stretch>
+        </p:blipFill>
+        <p:spPr>
+          <a:xfrm>
+            <a:off x="8270565" y="619067"/>
+            <a:ext cx="3752229" cy="1815015"/>
+          </a:xfrm>
+          <a:prstGeom prst="rect">
+            <a:avLst/>
+          </a:prstGeom>
+        </p:spPr>
+      </p:pic>
+      <p:pic>
+        <p:nvPicPr>
+          <p:cNvPr id="5" name="Picture 4">
+            <a:extLst>
+              <a:ext uri="{FF2B5EF4-FFF2-40B4-BE49-F238E27FC236}">
+                <a16:creationId xmlns:a16="http://schemas.microsoft.com/office/drawing/2014/main" id="{9FDB8E7E-AF52-428A-B093-7D7661EB0336}"/>
+              </a:ext>
+            </a:extLst>
+          </p:cNvPr>
+          <p:cNvPicPr>
+            <a:picLocks noChangeAspect="1"/>
+          </p:cNvPicPr>
+          <p:nvPr/>
+        </p:nvPicPr>
+        <p:blipFill>
+          <a:blip r:embed="rId4"/>
+          <a:stretch>
+            <a:fillRect/>
+          </a:stretch>
+        </p:blipFill>
+        <p:spPr>
+          <a:xfrm>
+            <a:off x="3904629" y="3827074"/>
+            <a:ext cx="4234829" cy="2048457"/>
+          </a:xfrm>
+          <a:prstGeom prst="rect">
+            <a:avLst/>
+          </a:prstGeom>
+        </p:spPr>
+      </p:pic>
+      <p:pic>
+        <p:nvPicPr>
+          <p:cNvPr id="6" name="Picture 5">
+            <a:extLst>
+              <a:ext uri="{FF2B5EF4-FFF2-40B4-BE49-F238E27FC236}">
+                <a16:creationId xmlns:a16="http://schemas.microsoft.com/office/drawing/2014/main" id="{6D9A8934-EB8F-4EFC-873D-FE0BB515BAD5}"/>
+              </a:ext>
+            </a:extLst>
+          </p:cNvPr>
+          <p:cNvPicPr>
+            <a:picLocks noChangeAspect="1"/>
+          </p:cNvPicPr>
+          <p:nvPr/>
+        </p:nvPicPr>
+        <p:blipFill>
+          <a:blip r:embed="rId5"/>
+          <a:stretch>
+            <a:fillRect/>
+          </a:stretch>
+        </p:blipFill>
+        <p:spPr>
+          <a:xfrm>
+            <a:off x="4150035" y="548419"/>
+            <a:ext cx="4044329" cy="1956309"/>
+          </a:xfrm>
+          <a:prstGeom prst="rect">
+            <a:avLst/>
+          </a:prstGeom>
+        </p:spPr>
+      </p:pic>
+      <p:pic>
+        <p:nvPicPr>
+          <p:cNvPr id="7" name="Picture 6">
+            <a:extLst>
+              <a:ext uri="{FF2B5EF4-FFF2-40B4-BE49-F238E27FC236}">
+                <a16:creationId xmlns:a16="http://schemas.microsoft.com/office/drawing/2014/main" id="{D4F212EF-624B-4782-911E-9D2FC3FB4554}"/>
+              </a:ext>
+            </a:extLst>
+          </p:cNvPr>
+          <p:cNvPicPr>
+            <a:picLocks noChangeAspect="1"/>
+          </p:cNvPicPr>
+          <p:nvPr/>
+        </p:nvPicPr>
+        <p:blipFill>
+          <a:blip r:embed="rId6"/>
+          <a:stretch>
+            <a:fillRect/>
+          </a:stretch>
+        </p:blipFill>
+        <p:spPr>
+          <a:xfrm>
+            <a:off x="0" y="3986798"/>
+            <a:ext cx="3904629" cy="1888733"/>
+          </a:xfrm>
+          <a:prstGeom prst="rect">
+            <a:avLst/>
+          </a:prstGeom>
+        </p:spPr>
+      </p:pic>
+      <p:pic>
+        <p:nvPicPr>
+          <p:cNvPr id="8" name="Picture 7">
+            <a:extLst>
+              <a:ext uri="{FF2B5EF4-FFF2-40B4-BE49-F238E27FC236}">
+                <a16:creationId xmlns:a16="http://schemas.microsoft.com/office/drawing/2014/main" id="{921A460D-D29D-47E4-9A6A-057FF108D936}"/>
+              </a:ext>
+            </a:extLst>
+          </p:cNvPr>
+          <p:cNvPicPr>
+            <a:picLocks noChangeAspect="1"/>
+          </p:cNvPicPr>
+          <p:nvPr/>
+        </p:nvPicPr>
+        <p:blipFill>
+          <a:blip r:embed="rId7"/>
+          <a:stretch>
+            <a:fillRect/>
+          </a:stretch>
+        </p:blipFill>
+        <p:spPr>
+          <a:xfrm>
+            <a:off x="169206" y="703185"/>
+            <a:ext cx="3904629" cy="1888733"/>
+          </a:xfrm>
+          <a:prstGeom prst="rect">
+            <a:avLst/>
+          </a:prstGeom>
+        </p:spPr>
+      </p:pic>
     </p:spTree>
     <p:extLst>
       <p:ext uri="{BB962C8B-B14F-4D97-AF65-F5344CB8AC3E}">
         <p14:creationId xmlns:p14="http://schemas.microsoft.com/office/powerpoint/2010/main" val="3771243459"/>
+      </p:ext>
+    </p:extLst>
+  </p:cSld>
+  <p:clrMapOvr>
+    <a:masterClrMapping/>
+  </p:clrMapOvr>
+</p:sld>
+</file>
+
+<file path=ppt/slides/slide18.xml><?xml version="1.0" encoding="utf-8"?>
+<p:sld xmlns:a="http://schemas.openxmlformats.org/drawingml/2006/main" xmlns:r="http://schemas.openxmlformats.org/officeDocument/2006/relationships" xmlns:p="http://schemas.openxmlformats.org/presentationml/2006/main">
+  <p:cSld>
+    <p:spTree>
+      <p:nvGrpSpPr>
+        <p:cNvPr id="1" name=""/>
+        <p:cNvGrpSpPr/>
+        <p:nvPr/>
+      </p:nvGrpSpPr>
+      <p:grpSpPr>
+        <a:xfrm>
+          <a:off x="0" y="0"/>
+          <a:ext cx="0" cy="0"/>
+          <a:chOff x="0" y="0"/>
+          <a:chExt cx="0" cy="0"/>
+        </a:xfrm>
+      </p:grpSpPr>
+      <p:pic>
+        <p:nvPicPr>
+          <p:cNvPr id="2" name="Picture 1">
+            <a:extLst>
+              <a:ext uri="{FF2B5EF4-FFF2-40B4-BE49-F238E27FC236}">
+                <a16:creationId xmlns:a16="http://schemas.microsoft.com/office/drawing/2014/main" id="{9D974A2B-E24A-42A4-A345-688EF01AB360}"/>
+              </a:ext>
+            </a:extLst>
+          </p:cNvPr>
+          <p:cNvPicPr>
+            <a:picLocks noChangeAspect="1"/>
+          </p:cNvPicPr>
+          <p:nvPr/>
+        </p:nvPicPr>
+        <p:blipFill>
+          <a:blip r:embed="rId2"/>
+          <a:stretch>
+            <a:fillRect/>
+          </a:stretch>
+        </p:blipFill>
+        <p:spPr>
+          <a:xfrm>
+            <a:off x="8325471" y="3906722"/>
+            <a:ext cx="3866529" cy="1870304"/>
+          </a:xfrm>
+          <a:prstGeom prst="rect">
+            <a:avLst/>
+          </a:prstGeom>
+        </p:spPr>
+      </p:pic>
+      <p:pic>
+        <p:nvPicPr>
+          <p:cNvPr id="3" name="Picture 2">
+            <a:extLst>
+              <a:ext uri="{FF2B5EF4-FFF2-40B4-BE49-F238E27FC236}">
+                <a16:creationId xmlns:a16="http://schemas.microsoft.com/office/drawing/2014/main" id="{290707CA-D7EC-444D-9511-FE0DE50B9EBB}"/>
+              </a:ext>
+            </a:extLst>
+          </p:cNvPr>
+          <p:cNvPicPr>
+            <a:picLocks noChangeAspect="1"/>
+          </p:cNvPicPr>
+          <p:nvPr/>
+        </p:nvPicPr>
+        <p:blipFill>
+          <a:blip r:embed="rId3"/>
+          <a:stretch>
+            <a:fillRect/>
+          </a:stretch>
+        </p:blipFill>
+        <p:spPr>
+          <a:xfrm>
+            <a:off x="8259917" y="614116"/>
+            <a:ext cx="3764929" cy="1821158"/>
+          </a:xfrm>
+          <a:prstGeom prst="rect">
+            <a:avLst/>
+          </a:prstGeom>
+        </p:spPr>
+      </p:pic>
+      <p:pic>
+        <p:nvPicPr>
+          <p:cNvPr id="4" name="Picture 3">
+            <a:extLst>
+              <a:ext uri="{FF2B5EF4-FFF2-40B4-BE49-F238E27FC236}">
+                <a16:creationId xmlns:a16="http://schemas.microsoft.com/office/drawing/2014/main" id="{FE075852-1AD0-4D2D-BF87-32C5588024A1}"/>
+              </a:ext>
+            </a:extLst>
+          </p:cNvPr>
+          <p:cNvPicPr>
+            <a:picLocks noChangeAspect="1"/>
+          </p:cNvPicPr>
+          <p:nvPr/>
+        </p:nvPicPr>
+        <p:blipFill>
+          <a:blip r:embed="rId4"/>
+          <a:stretch>
+            <a:fillRect/>
+          </a:stretch>
+        </p:blipFill>
+        <p:spPr>
+          <a:xfrm>
+            <a:off x="4367991" y="3962012"/>
+            <a:ext cx="3891926" cy="1882588"/>
+          </a:xfrm>
+          <a:prstGeom prst="rect">
+            <a:avLst/>
+          </a:prstGeom>
+        </p:spPr>
+      </p:pic>
+      <p:pic>
+        <p:nvPicPr>
+          <p:cNvPr id="5" name="Picture 4">
+            <a:extLst>
+              <a:ext uri="{FF2B5EF4-FFF2-40B4-BE49-F238E27FC236}">
+                <a16:creationId xmlns:a16="http://schemas.microsoft.com/office/drawing/2014/main" id="{1DEB1A93-A601-4760-B0BF-CF4FC06FFBA0}"/>
+              </a:ext>
+            </a:extLst>
+          </p:cNvPr>
+          <p:cNvPicPr>
+            <a:picLocks noChangeAspect="1"/>
+          </p:cNvPicPr>
+          <p:nvPr/>
+        </p:nvPicPr>
+        <p:blipFill>
+          <a:blip r:embed="rId5"/>
+          <a:stretch>
+            <a:fillRect/>
+          </a:stretch>
+        </p:blipFill>
+        <p:spPr>
+          <a:xfrm>
+            <a:off x="4018929" y="716543"/>
+            <a:ext cx="3866529" cy="1870304"/>
+          </a:xfrm>
+          <a:prstGeom prst="rect">
+            <a:avLst/>
+          </a:prstGeom>
+        </p:spPr>
+      </p:pic>
+      <p:pic>
+        <p:nvPicPr>
+          <p:cNvPr id="6" name="Picture 5">
+            <a:extLst>
+              <a:ext uri="{FF2B5EF4-FFF2-40B4-BE49-F238E27FC236}">
+                <a16:creationId xmlns:a16="http://schemas.microsoft.com/office/drawing/2014/main" id="{82584A3D-F974-4B4C-94D7-099222FA14D2}"/>
+              </a:ext>
+            </a:extLst>
+          </p:cNvPr>
+          <p:cNvPicPr>
+            <a:picLocks noChangeAspect="1"/>
+          </p:cNvPicPr>
+          <p:nvPr/>
+        </p:nvPicPr>
+        <p:blipFill>
+          <a:blip r:embed="rId6"/>
+          <a:stretch>
+            <a:fillRect/>
+          </a:stretch>
+        </p:blipFill>
+        <p:spPr>
+          <a:xfrm>
+            <a:off x="156513" y="3906722"/>
+            <a:ext cx="4145924" cy="2005452"/>
+          </a:xfrm>
+          <a:prstGeom prst="rect">
+            <a:avLst/>
+          </a:prstGeom>
+        </p:spPr>
+      </p:pic>
+      <p:pic>
+        <p:nvPicPr>
+          <p:cNvPr id="7" name="Picture 6">
+            <a:extLst>
+              <a:ext uri="{FF2B5EF4-FFF2-40B4-BE49-F238E27FC236}">
+                <a16:creationId xmlns:a16="http://schemas.microsoft.com/office/drawing/2014/main" id="{A79B7759-7EBF-49F8-B97A-2FA32F769A8B}"/>
+              </a:ext>
+            </a:extLst>
+          </p:cNvPr>
+          <p:cNvPicPr>
+            <a:picLocks noChangeAspect="1"/>
+          </p:cNvPicPr>
+          <p:nvPr/>
+        </p:nvPicPr>
+        <p:blipFill>
+          <a:blip r:embed="rId7"/>
+          <a:stretch>
+            <a:fillRect/>
+          </a:stretch>
+        </p:blipFill>
+        <p:spPr>
+          <a:xfrm>
+            <a:off x="0" y="716543"/>
+            <a:ext cx="4018929" cy="1944022"/>
+          </a:xfrm>
+          <a:prstGeom prst="rect">
+            <a:avLst/>
+          </a:prstGeom>
+        </p:spPr>
+      </p:pic>
+    </p:spTree>
+    <p:extLst>
+      <p:ext uri="{BB962C8B-B14F-4D97-AF65-F5344CB8AC3E}">
+        <p14:creationId xmlns:p14="http://schemas.microsoft.com/office/powerpoint/2010/main" val="3116947259"/>
+      </p:ext>
+    </p:extLst>
+  </p:cSld>
+  <p:clrMapOvr>
+    <a:masterClrMapping/>
+  </p:clrMapOvr>
+</p:sld>
+</file>
+
+<file path=ppt/slides/slide19.xml><?xml version="1.0" encoding="utf-8"?>
+<p:sld xmlns:a="http://schemas.openxmlformats.org/drawingml/2006/main" xmlns:r="http://schemas.openxmlformats.org/officeDocument/2006/relationships" xmlns:p="http://schemas.openxmlformats.org/presentationml/2006/main">
+  <p:cSld>
+    <p:spTree>
+      <p:nvGrpSpPr>
+        <p:cNvPr id="1" name=""/>
+        <p:cNvGrpSpPr/>
+        <p:nvPr/>
+      </p:nvGrpSpPr>
+      <p:grpSpPr>
+        <a:xfrm>
+          <a:off x="0" y="0"/>
+          <a:ext cx="0" cy="0"/>
+          <a:chOff x="0" y="0"/>
+          <a:chExt cx="0" cy="0"/>
+        </a:xfrm>
+      </p:grpSpPr>
+      <p:pic>
+        <p:nvPicPr>
+          <p:cNvPr id="2" name="Picture 1">
+            <a:extLst>
+              <a:ext uri="{FF2B5EF4-FFF2-40B4-BE49-F238E27FC236}">
+                <a16:creationId xmlns:a16="http://schemas.microsoft.com/office/drawing/2014/main" id="{940B928E-1BB7-4A5F-8769-0A59EE95EBDB}"/>
+              </a:ext>
+            </a:extLst>
+          </p:cNvPr>
+          <p:cNvPicPr>
+            <a:picLocks noChangeAspect="1"/>
+          </p:cNvPicPr>
+          <p:nvPr/>
+        </p:nvPicPr>
+        <p:blipFill>
+          <a:blip r:embed="rId2"/>
+          <a:stretch>
+            <a:fillRect/>
+          </a:stretch>
+        </p:blipFill>
+        <p:spPr>
+          <a:xfrm>
+            <a:off x="7842871" y="4155900"/>
+            <a:ext cx="3993529" cy="1931736"/>
+          </a:xfrm>
+          <a:prstGeom prst="rect">
+            <a:avLst/>
+          </a:prstGeom>
+        </p:spPr>
+      </p:pic>
+      <p:pic>
+        <p:nvPicPr>
+          <p:cNvPr id="3" name="Picture 2">
+            <a:extLst>
+              <a:ext uri="{FF2B5EF4-FFF2-40B4-BE49-F238E27FC236}">
+                <a16:creationId xmlns:a16="http://schemas.microsoft.com/office/drawing/2014/main" id="{8C9498C2-DC8F-4BC6-95C3-D5529DBDB205}"/>
+              </a:ext>
+            </a:extLst>
+          </p:cNvPr>
+          <p:cNvPicPr>
+            <a:picLocks noChangeAspect="1"/>
+          </p:cNvPicPr>
+          <p:nvPr/>
+        </p:nvPicPr>
+        <p:blipFill>
+          <a:blip r:embed="rId3"/>
+          <a:stretch>
+            <a:fillRect/>
+          </a:stretch>
+        </p:blipFill>
+        <p:spPr>
+          <a:xfrm>
+            <a:off x="7842871" y="1062010"/>
+            <a:ext cx="3694459" cy="1787071"/>
+          </a:xfrm>
+          <a:prstGeom prst="rect">
+            <a:avLst/>
+          </a:prstGeom>
+        </p:spPr>
+      </p:pic>
+      <p:pic>
+        <p:nvPicPr>
+          <p:cNvPr id="4" name="Picture 3">
+            <a:extLst>
+              <a:ext uri="{FF2B5EF4-FFF2-40B4-BE49-F238E27FC236}">
+                <a16:creationId xmlns:a16="http://schemas.microsoft.com/office/drawing/2014/main" id="{C8FADD28-31FC-43D4-A651-ECABF56D5B87}"/>
+              </a:ext>
+            </a:extLst>
+          </p:cNvPr>
+          <p:cNvPicPr>
+            <a:picLocks noChangeAspect="1"/>
+          </p:cNvPicPr>
+          <p:nvPr/>
+        </p:nvPicPr>
+        <p:blipFill>
+          <a:blip r:embed="rId4"/>
+          <a:stretch>
+            <a:fillRect/>
+          </a:stretch>
+        </p:blipFill>
+        <p:spPr>
+          <a:xfrm>
+            <a:off x="3793052" y="4273591"/>
+            <a:ext cx="3750224" cy="1814045"/>
+          </a:xfrm>
+          <a:prstGeom prst="rect">
+            <a:avLst/>
+          </a:prstGeom>
+        </p:spPr>
+      </p:pic>
+      <p:pic>
+        <p:nvPicPr>
+          <p:cNvPr id="5" name="Picture 4">
+            <a:extLst>
+              <a:ext uri="{FF2B5EF4-FFF2-40B4-BE49-F238E27FC236}">
+                <a16:creationId xmlns:a16="http://schemas.microsoft.com/office/drawing/2014/main" id="{FCCF3B39-B465-4C43-834E-130EEFE7C17C}"/>
+              </a:ext>
+            </a:extLst>
+          </p:cNvPr>
+          <p:cNvPicPr>
+            <a:picLocks noChangeAspect="1"/>
+          </p:cNvPicPr>
+          <p:nvPr/>
+        </p:nvPicPr>
+        <p:blipFill>
+          <a:blip r:embed="rId5"/>
+          <a:stretch>
+            <a:fillRect/>
+          </a:stretch>
+        </p:blipFill>
+        <p:spPr>
+          <a:xfrm>
+            <a:off x="3834398" y="1062010"/>
+            <a:ext cx="3837643" cy="1856332"/>
+          </a:xfrm>
+          <a:prstGeom prst="rect">
+            <a:avLst/>
+          </a:prstGeom>
+        </p:spPr>
+      </p:pic>
+      <p:pic>
+        <p:nvPicPr>
+          <p:cNvPr id="6" name="Picture 5">
+            <a:extLst>
+              <a:ext uri="{FF2B5EF4-FFF2-40B4-BE49-F238E27FC236}">
+                <a16:creationId xmlns:a16="http://schemas.microsoft.com/office/drawing/2014/main" id="{E7D641BD-8302-4657-A042-8837151BA2DD}"/>
+              </a:ext>
+            </a:extLst>
+          </p:cNvPr>
+          <p:cNvPicPr>
+            <a:picLocks noChangeAspect="1"/>
+          </p:cNvPicPr>
+          <p:nvPr/>
+        </p:nvPicPr>
+        <p:blipFill>
+          <a:blip r:embed="rId6"/>
+          <a:stretch>
+            <a:fillRect/>
+          </a:stretch>
+        </p:blipFill>
+        <p:spPr>
+          <a:xfrm>
+            <a:off x="84174" y="4214745"/>
+            <a:ext cx="3750224" cy="1814045"/>
+          </a:xfrm>
+          <a:prstGeom prst="rect">
+            <a:avLst/>
+          </a:prstGeom>
+        </p:spPr>
+      </p:pic>
+      <p:pic>
+        <p:nvPicPr>
+          <p:cNvPr id="7" name="Picture 6">
+            <a:extLst>
+              <a:ext uri="{FF2B5EF4-FFF2-40B4-BE49-F238E27FC236}">
+                <a16:creationId xmlns:a16="http://schemas.microsoft.com/office/drawing/2014/main" id="{F0A321C4-E261-4107-BAF7-976862A4EA9E}"/>
+              </a:ext>
+            </a:extLst>
+          </p:cNvPr>
+          <p:cNvPicPr>
+            <a:picLocks noChangeAspect="1"/>
+          </p:cNvPicPr>
+          <p:nvPr/>
+        </p:nvPicPr>
+        <p:blipFill>
+          <a:blip r:embed="rId7"/>
+          <a:stretch>
+            <a:fillRect/>
+          </a:stretch>
+        </p:blipFill>
+        <p:spPr>
+          <a:xfrm>
+            <a:off x="295824" y="886541"/>
+            <a:ext cx="3573189" cy="1728410"/>
+          </a:xfrm>
+          <a:prstGeom prst="rect">
+            <a:avLst/>
+          </a:prstGeom>
+        </p:spPr>
+      </p:pic>
+    </p:spTree>
+    <p:extLst>
+      <p:ext uri="{BB962C8B-B14F-4D97-AF65-F5344CB8AC3E}">
+        <p14:creationId xmlns:p14="http://schemas.microsoft.com/office/powerpoint/2010/main" val="1163994705"/>
       </p:ext>
     </p:extLst>
   </p:cSld>
@@ -3942,6 +5582,306 @@
 </p:sld>
 </file>
 
+<file path=ppt/slides/slide20.xml><?xml version="1.0" encoding="utf-8"?>
+<p:sld xmlns:a="http://schemas.openxmlformats.org/drawingml/2006/main" xmlns:r="http://schemas.openxmlformats.org/officeDocument/2006/relationships" xmlns:p="http://schemas.openxmlformats.org/presentationml/2006/main">
+  <p:cSld>
+    <p:spTree>
+      <p:nvGrpSpPr>
+        <p:cNvPr id="1" name=""/>
+        <p:cNvGrpSpPr/>
+        <p:nvPr/>
+      </p:nvGrpSpPr>
+      <p:grpSpPr>
+        <a:xfrm>
+          <a:off x="0" y="0"/>
+          <a:ext cx="0" cy="0"/>
+          <a:chOff x="0" y="0"/>
+          <a:chExt cx="0" cy="0"/>
+        </a:xfrm>
+      </p:grpSpPr>
+      <p:pic>
+        <p:nvPicPr>
+          <p:cNvPr id="2" name="Picture 1">
+            <a:extLst>
+              <a:ext uri="{FF2B5EF4-FFF2-40B4-BE49-F238E27FC236}">
+                <a16:creationId xmlns:a16="http://schemas.microsoft.com/office/drawing/2014/main" id="{6716C505-1480-463A-9DC4-FEC07B74F8E7}"/>
+              </a:ext>
+            </a:extLst>
+          </p:cNvPr>
+          <p:cNvPicPr>
+            <a:picLocks noChangeAspect="1"/>
+          </p:cNvPicPr>
+          <p:nvPr/>
+        </p:nvPicPr>
+        <p:blipFill>
+          <a:blip r:embed="rId2"/>
+          <a:stretch>
+            <a:fillRect/>
+          </a:stretch>
+        </p:blipFill>
+        <p:spPr>
+          <a:xfrm>
+            <a:off x="8286132" y="4191721"/>
+            <a:ext cx="3876984" cy="1875361"/>
+          </a:xfrm>
+          <a:prstGeom prst="rect">
+            <a:avLst/>
+          </a:prstGeom>
+        </p:spPr>
+      </p:pic>
+      <p:pic>
+        <p:nvPicPr>
+          <p:cNvPr id="3" name="Picture 2">
+            <a:extLst>
+              <a:ext uri="{FF2B5EF4-FFF2-40B4-BE49-F238E27FC236}">
+                <a16:creationId xmlns:a16="http://schemas.microsoft.com/office/drawing/2014/main" id="{2A042E98-F65B-4E51-ADF8-56A865ED83AC}"/>
+              </a:ext>
+            </a:extLst>
+          </p:cNvPr>
+          <p:cNvPicPr>
+            <a:picLocks noChangeAspect="1"/>
+          </p:cNvPicPr>
+          <p:nvPr/>
+        </p:nvPicPr>
+        <p:blipFill>
+          <a:blip r:embed="rId3"/>
+          <a:stretch>
+            <a:fillRect/>
+          </a:stretch>
+        </p:blipFill>
+        <p:spPr>
+          <a:xfrm>
+            <a:off x="8286131" y="790918"/>
+            <a:ext cx="3486770" cy="1686608"/>
+          </a:xfrm>
+          <a:prstGeom prst="rect">
+            <a:avLst/>
+          </a:prstGeom>
+        </p:spPr>
+      </p:pic>
+      <p:pic>
+        <p:nvPicPr>
+          <p:cNvPr id="4" name="Picture 3">
+            <a:extLst>
+              <a:ext uri="{FF2B5EF4-FFF2-40B4-BE49-F238E27FC236}">
+                <a16:creationId xmlns:a16="http://schemas.microsoft.com/office/drawing/2014/main" id="{05239BDE-F9C5-46B7-8A2C-71D717B03070}"/>
+              </a:ext>
+            </a:extLst>
+          </p:cNvPr>
+          <p:cNvPicPr>
+            <a:picLocks noChangeAspect="1"/>
+          </p:cNvPicPr>
+          <p:nvPr/>
+        </p:nvPicPr>
+        <p:blipFill>
+          <a:blip r:embed="rId4"/>
+          <a:stretch>
+            <a:fillRect/>
+          </a:stretch>
+        </p:blipFill>
+        <p:spPr>
+          <a:xfrm>
+            <a:off x="4533900" y="4362644"/>
+            <a:ext cx="3523630" cy="1704438"/>
+          </a:xfrm>
+          <a:prstGeom prst="rect">
+            <a:avLst/>
+          </a:prstGeom>
+        </p:spPr>
+      </p:pic>
+      <p:pic>
+        <p:nvPicPr>
+          <p:cNvPr id="5" name="Picture 4">
+            <a:extLst>
+              <a:ext uri="{FF2B5EF4-FFF2-40B4-BE49-F238E27FC236}">
+                <a16:creationId xmlns:a16="http://schemas.microsoft.com/office/drawing/2014/main" id="{664A29D0-D571-4D4D-AF13-F553D9916AB0}"/>
+              </a:ext>
+            </a:extLst>
+          </p:cNvPr>
+          <p:cNvPicPr>
+            <a:picLocks noChangeAspect="1"/>
+          </p:cNvPicPr>
+          <p:nvPr/>
+        </p:nvPicPr>
+        <p:blipFill>
+          <a:blip r:embed="rId5"/>
+          <a:stretch>
+            <a:fillRect/>
+          </a:stretch>
+        </p:blipFill>
+        <p:spPr>
+          <a:xfrm>
+            <a:off x="4334185" y="773088"/>
+            <a:ext cx="3523630" cy="1704438"/>
+          </a:xfrm>
+          <a:prstGeom prst="rect">
+            <a:avLst/>
+          </a:prstGeom>
+        </p:spPr>
+      </p:pic>
+      <p:pic>
+        <p:nvPicPr>
+          <p:cNvPr id="6" name="Picture 5">
+            <a:extLst>
+              <a:ext uri="{FF2B5EF4-FFF2-40B4-BE49-F238E27FC236}">
+                <a16:creationId xmlns:a16="http://schemas.microsoft.com/office/drawing/2014/main" id="{6F62C3F7-80A3-4342-A45F-93406A57E829}"/>
+              </a:ext>
+            </a:extLst>
+          </p:cNvPr>
+          <p:cNvPicPr>
+            <a:picLocks noChangeAspect="1"/>
+          </p:cNvPicPr>
+          <p:nvPr/>
+        </p:nvPicPr>
+        <p:blipFill>
+          <a:blip r:embed="rId6"/>
+          <a:stretch>
+            <a:fillRect/>
+          </a:stretch>
+        </p:blipFill>
+        <p:spPr>
+          <a:xfrm>
+            <a:off x="511485" y="4258815"/>
+            <a:ext cx="3701429" cy="1790443"/>
+          </a:xfrm>
+          <a:prstGeom prst="rect">
+            <a:avLst/>
+          </a:prstGeom>
+        </p:spPr>
+      </p:pic>
+      <p:pic>
+        <p:nvPicPr>
+          <p:cNvPr id="7" name="Picture 6">
+            <a:extLst>
+              <a:ext uri="{FF2B5EF4-FFF2-40B4-BE49-F238E27FC236}">
+                <a16:creationId xmlns:a16="http://schemas.microsoft.com/office/drawing/2014/main" id="{313B99E9-E009-4912-AA22-16C2A23C5EF4}"/>
+              </a:ext>
+            </a:extLst>
+          </p:cNvPr>
+          <p:cNvPicPr>
+            <a:picLocks noChangeAspect="1"/>
+          </p:cNvPicPr>
+          <p:nvPr/>
+        </p:nvPicPr>
+        <p:blipFill>
+          <a:blip r:embed="rId7"/>
+          <a:stretch>
+            <a:fillRect/>
+          </a:stretch>
+        </p:blipFill>
+        <p:spPr>
+          <a:xfrm>
+            <a:off x="511485" y="672652"/>
+            <a:ext cx="3523629" cy="1704438"/>
+          </a:xfrm>
+          <a:prstGeom prst="rect">
+            <a:avLst/>
+          </a:prstGeom>
+        </p:spPr>
+      </p:pic>
+    </p:spTree>
+    <p:extLst>
+      <p:ext uri="{BB962C8B-B14F-4D97-AF65-F5344CB8AC3E}">
+        <p14:creationId xmlns:p14="http://schemas.microsoft.com/office/powerpoint/2010/main" val="2584405599"/>
+      </p:ext>
+    </p:extLst>
+  </p:cSld>
+  <p:clrMapOvr>
+    <a:masterClrMapping/>
+  </p:clrMapOvr>
+</p:sld>
+</file>
+
+<file path=ppt/slides/slide21.xml><?xml version="1.0" encoding="utf-8"?>
+<p:sld xmlns:a="http://schemas.openxmlformats.org/drawingml/2006/main" xmlns:r="http://schemas.openxmlformats.org/officeDocument/2006/relationships" xmlns:p="http://schemas.openxmlformats.org/presentationml/2006/main">
+  <p:cSld>
+    <p:spTree>
+      <p:nvGrpSpPr>
+        <p:cNvPr id="1" name=""/>
+        <p:cNvGrpSpPr/>
+        <p:nvPr/>
+      </p:nvGrpSpPr>
+      <p:grpSpPr>
+        <a:xfrm>
+          <a:off x="0" y="0"/>
+          <a:ext cx="0" cy="0"/>
+          <a:chOff x="0" y="0"/>
+          <a:chExt cx="0" cy="0"/>
+        </a:xfrm>
+      </p:grpSpPr>
+      <p:pic>
+        <p:nvPicPr>
+          <p:cNvPr id="2" name="Picture 1">
+            <a:extLst>
+              <a:ext uri="{FF2B5EF4-FFF2-40B4-BE49-F238E27FC236}">
+                <a16:creationId xmlns:a16="http://schemas.microsoft.com/office/drawing/2014/main" id="{2AE38D70-4DA4-4EBA-9874-7359B3E7195A}"/>
+              </a:ext>
+            </a:extLst>
+          </p:cNvPr>
+          <p:cNvPicPr>
+            <a:picLocks noChangeAspect="1"/>
+          </p:cNvPicPr>
+          <p:nvPr/>
+        </p:nvPicPr>
+        <p:blipFill>
+          <a:blip r:embed="rId2"/>
+          <a:stretch>
+            <a:fillRect/>
+          </a:stretch>
+        </p:blipFill>
+        <p:spPr>
+          <a:xfrm>
+            <a:off x="5455271" y="3429000"/>
+            <a:ext cx="5771529" cy="2791784"/>
+          </a:xfrm>
+          <a:prstGeom prst="rect">
+            <a:avLst/>
+          </a:prstGeom>
+        </p:spPr>
+      </p:pic>
+      <p:pic>
+        <p:nvPicPr>
+          <p:cNvPr id="3" name="Picture 2">
+            <a:extLst>
+              <a:ext uri="{FF2B5EF4-FFF2-40B4-BE49-F238E27FC236}">
+                <a16:creationId xmlns:a16="http://schemas.microsoft.com/office/drawing/2014/main" id="{08BBD786-9753-4A23-9860-9663C7F16A65}"/>
+              </a:ext>
+            </a:extLst>
+          </p:cNvPr>
+          <p:cNvPicPr>
+            <a:picLocks noChangeAspect="1"/>
+          </p:cNvPicPr>
+          <p:nvPr/>
+        </p:nvPicPr>
+        <p:blipFill>
+          <a:blip r:embed="rId3"/>
+          <a:stretch>
+            <a:fillRect/>
+          </a:stretch>
+        </p:blipFill>
+        <p:spPr>
+          <a:xfrm>
+            <a:off x="5650873" y="826449"/>
+            <a:ext cx="5380323" cy="2602551"/>
+          </a:xfrm>
+          <a:prstGeom prst="rect">
+            <a:avLst/>
+          </a:prstGeom>
+        </p:spPr>
+      </p:pic>
+    </p:spTree>
+    <p:extLst>
+      <p:ext uri="{BB962C8B-B14F-4D97-AF65-F5344CB8AC3E}">
+        <p14:creationId xmlns:p14="http://schemas.microsoft.com/office/powerpoint/2010/main" val="2200780619"/>
+      </p:ext>
+    </p:extLst>
+  </p:cSld>
+  <p:clrMapOvr>
+    <a:masterClrMapping/>
+  </p:clrMapOvr>
+</p:sld>
+</file>
+
 <file path=ppt/slides/slide3.xml><?xml version="1.0" encoding="utf-8"?>
 <p:sld xmlns:a="http://schemas.openxmlformats.org/drawingml/2006/main" xmlns:r="http://schemas.openxmlformats.org/officeDocument/2006/relationships" xmlns:p="http://schemas.openxmlformats.org/presentationml/2006/main">
   <p:cSld>
@@ -4064,6 +6004,71 @@
           </a:p>
           <a:p>
             <a:endParaRPr lang="en-US" sz="1400" dirty="0"/>
+          </a:p>
+        </p:txBody>
+      </p:sp>
+      <p:pic>
+        <p:nvPicPr>
+          <p:cNvPr id="4" name="Picture 3">
+            <a:extLst>
+              <a:ext uri="{FF2B5EF4-FFF2-40B4-BE49-F238E27FC236}">
+                <a16:creationId xmlns:a16="http://schemas.microsoft.com/office/drawing/2014/main" id="{BCBABEEF-AA40-4A0C-99E5-DAF4FC634599}"/>
+              </a:ext>
+            </a:extLst>
+          </p:cNvPr>
+          <p:cNvPicPr>
+            <a:picLocks noChangeAspect="1"/>
+          </p:cNvPicPr>
+          <p:nvPr/>
+        </p:nvPicPr>
+        <p:blipFill>
+          <a:blip r:embed="rId2"/>
+          <a:stretch>
+            <a:fillRect/>
+          </a:stretch>
+        </p:blipFill>
+        <p:spPr>
+          <a:xfrm>
+            <a:off x="357685" y="4815757"/>
+            <a:ext cx="4069729" cy="1968595"/>
+          </a:xfrm>
+          <a:prstGeom prst="rect">
+            <a:avLst/>
+          </a:prstGeom>
+        </p:spPr>
+      </p:pic>
+      <p:sp>
+        <p:nvSpPr>
+          <p:cNvPr id="5" name="TextBox 4">
+            <a:extLst>
+              <a:ext uri="{FF2B5EF4-FFF2-40B4-BE49-F238E27FC236}">
+                <a16:creationId xmlns:a16="http://schemas.microsoft.com/office/drawing/2014/main" id="{8D1C5BC9-6CF9-4861-88AB-A9648A88C206}"/>
+              </a:ext>
+            </a:extLst>
+          </p:cNvPr>
+          <p:cNvSpPr txBox="1"/>
+          <p:nvPr/>
+        </p:nvSpPr>
+        <p:spPr>
+          <a:xfrm>
+            <a:off x="180663" y="4154947"/>
+            <a:ext cx="7990842" cy="369332"/>
+          </a:xfrm>
+          <a:prstGeom prst="rect">
+            <a:avLst/>
+          </a:prstGeom>
+          <a:noFill/>
+        </p:spPr>
+        <p:txBody>
+          <a:bodyPr wrap="none" rtlCol="0">
+            <a:spAutoFit/>
+          </a:bodyPr>
+          <a:lstStyle/>
+          <a:p>
+            <a:r>
+              <a:rPr lang="en-US" dirty="0"/>
+              <a:t>Probably less spacing out during progress bar in participants who were kept though</a:t>
+            </a:r>
           </a:p>
         </p:txBody>
       </p:sp>
@@ -5036,36 +7041,6 @@
           <a:chExt cx="0" cy="0"/>
         </a:xfrm>
       </p:grpSpPr>
-      <p:pic>
-        <p:nvPicPr>
-          <p:cNvPr id="2" name="Picture 1">
-            <a:extLst>
-              <a:ext uri="{FF2B5EF4-FFF2-40B4-BE49-F238E27FC236}">
-                <a16:creationId xmlns:a16="http://schemas.microsoft.com/office/drawing/2014/main" id="{61016D28-F5B0-4CD9-B450-D8CBCC1155D2}"/>
-              </a:ext>
-            </a:extLst>
-          </p:cNvPr>
-          <p:cNvPicPr>
-            <a:picLocks noChangeAspect="1"/>
-          </p:cNvPicPr>
-          <p:nvPr/>
-        </p:nvPicPr>
-        <p:blipFill>
-          <a:blip r:embed="rId2"/>
-          <a:stretch>
-            <a:fillRect/>
-          </a:stretch>
-        </p:blipFill>
-        <p:spPr>
-          <a:xfrm>
-            <a:off x="530392" y="579735"/>
-            <a:ext cx="3223461" cy="1933311"/>
-          </a:xfrm>
-          <a:prstGeom prst="rect">
-            <a:avLst/>
-          </a:prstGeom>
-        </p:spPr>
-      </p:pic>
       <p:sp>
         <p:nvSpPr>
           <p:cNvPr id="3" name="Title 1">
@@ -5101,6 +7076,126 @@
           </a:p>
         </p:txBody>
       </p:sp>
+      <p:pic>
+        <p:nvPicPr>
+          <p:cNvPr id="4" name="Picture 3">
+            <a:extLst>
+              <a:ext uri="{FF2B5EF4-FFF2-40B4-BE49-F238E27FC236}">
+                <a16:creationId xmlns:a16="http://schemas.microsoft.com/office/drawing/2014/main" id="{751BF735-B8FB-4FBB-8DF3-F0740720FB89}"/>
+              </a:ext>
+            </a:extLst>
+          </p:cNvPr>
+          <p:cNvPicPr>
+            <a:picLocks noChangeAspect="1"/>
+          </p:cNvPicPr>
+          <p:nvPr/>
+        </p:nvPicPr>
+        <p:blipFill>
+          <a:blip r:embed="rId2"/>
+          <a:stretch>
+            <a:fillRect/>
+          </a:stretch>
+        </p:blipFill>
+        <p:spPr>
+          <a:xfrm>
+            <a:off x="460876" y="864281"/>
+            <a:ext cx="4276224" cy="2564719"/>
+          </a:xfrm>
+          <a:prstGeom prst="rect">
+            <a:avLst/>
+          </a:prstGeom>
+        </p:spPr>
+      </p:pic>
+      <p:pic>
+        <p:nvPicPr>
+          <p:cNvPr id="5" name="Picture 4">
+            <a:extLst>
+              <a:ext uri="{FF2B5EF4-FFF2-40B4-BE49-F238E27FC236}">
+                <a16:creationId xmlns:a16="http://schemas.microsoft.com/office/drawing/2014/main" id="{90D2B164-6A58-4FD7-9F51-2EE2D1D9ADF8}"/>
+              </a:ext>
+            </a:extLst>
+          </p:cNvPr>
+          <p:cNvPicPr>
+            <a:picLocks noChangeAspect="1"/>
+          </p:cNvPicPr>
+          <p:nvPr/>
+        </p:nvPicPr>
+        <p:blipFill>
+          <a:blip r:embed="rId3"/>
+          <a:stretch>
+            <a:fillRect/>
+          </a:stretch>
+        </p:blipFill>
+        <p:spPr>
+          <a:xfrm>
+            <a:off x="6617205" y="864281"/>
+            <a:ext cx="4276225" cy="2564719"/>
+          </a:xfrm>
+          <a:prstGeom prst="rect">
+            <a:avLst/>
+          </a:prstGeom>
+        </p:spPr>
+      </p:pic>
+      <p:pic>
+        <p:nvPicPr>
+          <p:cNvPr id="6" name="Picture 5">
+            <a:extLst>
+              <a:ext uri="{FF2B5EF4-FFF2-40B4-BE49-F238E27FC236}">
+                <a16:creationId xmlns:a16="http://schemas.microsoft.com/office/drawing/2014/main" id="{0AA92A64-36BC-4A6E-A081-610E82632E77}"/>
+              </a:ext>
+            </a:extLst>
+          </p:cNvPr>
+          <p:cNvPicPr>
+            <a:picLocks noChangeAspect="1"/>
+          </p:cNvPicPr>
+          <p:nvPr/>
+        </p:nvPicPr>
+        <p:blipFill>
+          <a:blip r:embed="rId4"/>
+          <a:stretch>
+            <a:fillRect/>
+          </a:stretch>
+        </p:blipFill>
+        <p:spPr>
+          <a:xfrm>
+            <a:off x="6820406" y="3937014"/>
+            <a:ext cx="3869824" cy="2320975"/>
+          </a:xfrm>
+          <a:prstGeom prst="rect">
+            <a:avLst/>
+          </a:prstGeom>
+        </p:spPr>
+      </p:pic>
+      <p:pic>
+        <p:nvPicPr>
+          <p:cNvPr id="8" name="Picture 7">
+            <a:extLst>
+              <a:ext uri="{FF2B5EF4-FFF2-40B4-BE49-F238E27FC236}">
+                <a16:creationId xmlns:a16="http://schemas.microsoft.com/office/drawing/2014/main" id="{227AB5D8-C9DF-4B58-B145-B740925A557D}"/>
+              </a:ext>
+            </a:extLst>
+          </p:cNvPr>
+          <p:cNvPicPr>
+            <a:picLocks noChangeAspect="1"/>
+          </p:cNvPicPr>
+          <p:nvPr/>
+        </p:nvPicPr>
+        <p:blipFill>
+          <a:blip r:embed="rId5"/>
+          <a:stretch>
+            <a:fillRect/>
+          </a:stretch>
+        </p:blipFill>
+        <p:spPr>
+          <a:xfrm>
+            <a:off x="1223382" y="3643525"/>
+            <a:ext cx="3869824" cy="2320975"/>
+          </a:xfrm>
+          <a:prstGeom prst="rect">
+            <a:avLst/>
+          </a:prstGeom>
+        </p:spPr>
+      </p:pic>
     </p:spTree>
     <p:extLst>
       <p:ext uri="{BB962C8B-B14F-4D97-AF65-F5344CB8AC3E}">
@@ -5166,6 +7261,126 @@
           </a:p>
         </p:txBody>
       </p:sp>
+      <p:pic>
+        <p:nvPicPr>
+          <p:cNvPr id="3" name="Picture 2">
+            <a:extLst>
+              <a:ext uri="{FF2B5EF4-FFF2-40B4-BE49-F238E27FC236}">
+                <a16:creationId xmlns:a16="http://schemas.microsoft.com/office/drawing/2014/main" id="{6BE02C0A-EB86-4E42-A171-CDFFADF26FFD}"/>
+              </a:ext>
+            </a:extLst>
+          </p:cNvPr>
+          <p:cNvPicPr>
+            <a:picLocks noChangeAspect="1"/>
+          </p:cNvPicPr>
+          <p:nvPr/>
+        </p:nvPicPr>
+        <p:blipFill>
+          <a:blip r:embed="rId2"/>
+          <a:stretch>
+            <a:fillRect/>
+          </a:stretch>
+        </p:blipFill>
+        <p:spPr>
+          <a:xfrm>
+            <a:off x="778376" y="1371600"/>
+            <a:ext cx="3607198" cy="2163462"/>
+          </a:xfrm>
+          <a:prstGeom prst="rect">
+            <a:avLst/>
+          </a:prstGeom>
+        </p:spPr>
+      </p:pic>
+      <p:pic>
+        <p:nvPicPr>
+          <p:cNvPr id="4" name="Picture 3">
+            <a:extLst>
+              <a:ext uri="{FF2B5EF4-FFF2-40B4-BE49-F238E27FC236}">
+                <a16:creationId xmlns:a16="http://schemas.microsoft.com/office/drawing/2014/main" id="{B2563021-256E-4C7A-8533-970391C8FDD1}"/>
+              </a:ext>
+            </a:extLst>
+          </p:cNvPr>
+          <p:cNvPicPr>
+            <a:picLocks noChangeAspect="1"/>
+          </p:cNvPicPr>
+          <p:nvPr/>
+        </p:nvPicPr>
+        <p:blipFill>
+          <a:blip r:embed="rId3"/>
+          <a:stretch>
+            <a:fillRect/>
+          </a:stretch>
+        </p:blipFill>
+        <p:spPr>
+          <a:xfrm>
+            <a:off x="7204576" y="1259789"/>
+            <a:ext cx="3793624" cy="2275273"/>
+          </a:xfrm>
+          <a:prstGeom prst="rect">
+            <a:avLst/>
+          </a:prstGeom>
+        </p:spPr>
+      </p:pic>
+      <p:pic>
+        <p:nvPicPr>
+          <p:cNvPr id="5" name="Picture 4">
+            <a:extLst>
+              <a:ext uri="{FF2B5EF4-FFF2-40B4-BE49-F238E27FC236}">
+                <a16:creationId xmlns:a16="http://schemas.microsoft.com/office/drawing/2014/main" id="{1B353FC2-6546-4EE8-A8DB-69B8B34ADDFC}"/>
+              </a:ext>
+            </a:extLst>
+          </p:cNvPr>
+          <p:cNvPicPr>
+            <a:picLocks noChangeAspect="1"/>
+          </p:cNvPicPr>
+          <p:nvPr/>
+        </p:nvPicPr>
+        <p:blipFill>
+          <a:blip r:embed="rId4"/>
+          <a:stretch>
+            <a:fillRect/>
+          </a:stretch>
+        </p:blipFill>
+        <p:spPr>
+          <a:xfrm>
+            <a:off x="1058282" y="4256906"/>
+            <a:ext cx="3607198" cy="2163462"/>
+          </a:xfrm>
+          <a:prstGeom prst="rect">
+            <a:avLst/>
+          </a:prstGeom>
+        </p:spPr>
+      </p:pic>
+      <p:pic>
+        <p:nvPicPr>
+          <p:cNvPr id="6" name="Picture 5">
+            <a:extLst>
+              <a:ext uri="{FF2B5EF4-FFF2-40B4-BE49-F238E27FC236}">
+                <a16:creationId xmlns:a16="http://schemas.microsoft.com/office/drawing/2014/main" id="{3CCD9760-5A19-45BB-9E26-D4810691D107}"/>
+              </a:ext>
+            </a:extLst>
+          </p:cNvPr>
+          <p:cNvPicPr>
+            <a:picLocks noChangeAspect="1"/>
+          </p:cNvPicPr>
+          <p:nvPr/>
+        </p:nvPicPr>
+        <p:blipFill>
+          <a:blip r:embed="rId5"/>
+          <a:stretch>
+            <a:fillRect/>
+          </a:stretch>
+        </p:blipFill>
+        <p:spPr>
+          <a:xfrm>
+            <a:off x="6963276" y="4256906"/>
+            <a:ext cx="3607198" cy="2163462"/>
+          </a:xfrm>
+          <a:prstGeom prst="rect">
+            <a:avLst/>
+          </a:prstGeom>
+        </p:spPr>
+      </p:pic>
     </p:spTree>
     <p:extLst>
       <p:ext uri="{BB962C8B-B14F-4D97-AF65-F5344CB8AC3E}">
